--- a/materials/slides/3.4 .pptx
+++ b/materials/slides/3.4 .pptx
@@ -5,41 +5,41 @@
     <p:sldMasterId id="2147483648" r:id="rId1"/>
   </p:sldMasterIdLst>
   <p:notesMasterIdLst>
-    <p:notesMasterId r:id="rId4"/>
+    <p:notesMasterId r:id="rId31"/>
   </p:notesMasterIdLst>
   <p:handoutMasterIdLst>
-    <p:handoutMasterId r:id="rId33"/>
+    <p:handoutMasterId r:id="rId32"/>
   </p:handoutMasterIdLst>
   <p:sldIdLst>
-    <p:sldId id="256" r:id="rId3"/>
-    <p:sldId id="553" r:id="rId5"/>
-    <p:sldId id="554" r:id="rId6"/>
-    <p:sldId id="578" r:id="rId7"/>
-    <p:sldId id="556" r:id="rId8"/>
-    <p:sldId id="555" r:id="rId9"/>
-    <p:sldId id="557" r:id="rId10"/>
-    <p:sldId id="558" r:id="rId11"/>
-    <p:sldId id="559" r:id="rId12"/>
-    <p:sldId id="579" r:id="rId13"/>
-    <p:sldId id="561" r:id="rId14"/>
-    <p:sldId id="562" r:id="rId15"/>
-    <p:sldId id="563" r:id="rId16"/>
-    <p:sldId id="564" r:id="rId17"/>
-    <p:sldId id="580" r:id="rId18"/>
-    <p:sldId id="565" r:id="rId19"/>
-    <p:sldId id="566" r:id="rId20"/>
-    <p:sldId id="567" r:id="rId21"/>
-    <p:sldId id="568" r:id="rId22"/>
-    <p:sldId id="569" r:id="rId23"/>
-    <p:sldId id="570" r:id="rId24"/>
-    <p:sldId id="571" r:id="rId25"/>
-    <p:sldId id="572" r:id="rId26"/>
-    <p:sldId id="573" r:id="rId27"/>
-    <p:sldId id="574" r:id="rId28"/>
-    <p:sldId id="575" r:id="rId29"/>
-    <p:sldId id="582" r:id="rId30"/>
-    <p:sldId id="576" r:id="rId31"/>
-    <p:sldId id="549" r:id="rId32"/>
+    <p:sldId id="256" r:id="rId2"/>
+    <p:sldId id="553" r:id="rId3"/>
+    <p:sldId id="554" r:id="rId4"/>
+    <p:sldId id="578" r:id="rId5"/>
+    <p:sldId id="556" r:id="rId6"/>
+    <p:sldId id="555" r:id="rId7"/>
+    <p:sldId id="557" r:id="rId8"/>
+    <p:sldId id="558" r:id="rId9"/>
+    <p:sldId id="559" r:id="rId10"/>
+    <p:sldId id="579" r:id="rId11"/>
+    <p:sldId id="561" r:id="rId12"/>
+    <p:sldId id="562" r:id="rId13"/>
+    <p:sldId id="563" r:id="rId14"/>
+    <p:sldId id="564" r:id="rId15"/>
+    <p:sldId id="580" r:id="rId16"/>
+    <p:sldId id="565" r:id="rId17"/>
+    <p:sldId id="566" r:id="rId18"/>
+    <p:sldId id="567" r:id="rId19"/>
+    <p:sldId id="568" r:id="rId20"/>
+    <p:sldId id="569" r:id="rId21"/>
+    <p:sldId id="570" r:id="rId22"/>
+    <p:sldId id="571" r:id="rId23"/>
+    <p:sldId id="572" r:id="rId24"/>
+    <p:sldId id="573" r:id="rId25"/>
+    <p:sldId id="574" r:id="rId26"/>
+    <p:sldId id="575" r:id="rId27"/>
+    <p:sldId id="582" r:id="rId28"/>
+    <p:sldId id="576" r:id="rId29"/>
+    <p:sldId id="549" r:id="rId30"/>
   </p:sldIdLst>
   <p:sldSz cx="12192000" cy="6858000"/>
   <p:notesSz cx="6858000" cy="9144000"/>
@@ -168,6 +168,36 @@
       </a:defRPr>
     </a:lvl9pPr>
   </p:defaultTextStyle>
+  <p:extLst>
+    <p:ext uri="{EFAFB233-063F-42B5-8137-9DF3F51BA10A}">
+      <p15:sldGuideLst xmlns:p15="http://schemas.microsoft.com/office/powerpoint/2012/main">
+        <p15:guide id="1" orient="horz" pos="2160">
+          <p15:clr>
+            <a:srgbClr val="A4A3A4"/>
+          </p15:clr>
+        </p15:guide>
+        <p15:guide id="2" pos="3846">
+          <p15:clr>
+            <a:srgbClr val="A4A3A4"/>
+          </p15:clr>
+        </p15:guide>
+      </p15:sldGuideLst>
+    </p:ext>
+    <p:ext uri="{2D200454-40CA-4A62-9FC3-DE9A4176ACB9}">
+      <p15:notesGuideLst xmlns:p15="http://schemas.microsoft.com/office/powerpoint/2012/main">
+        <p15:guide id="1" orient="horz" pos="2880">
+          <p15:clr>
+            <a:srgbClr val="A4A3A4"/>
+          </p15:clr>
+        </p15:guide>
+        <p15:guide id="2" pos="2163">
+          <p15:clr>
+            <a:srgbClr val="A4A3A4"/>
+          </p15:clr>
+        </p15:guide>
+      </p15:notesGuideLst>
+    </p:ext>
+  </p:extLst>
 </p:presentation>
 </file>
 
@@ -366,12 +396,18 @@
             </a:pPr>
             <a:fld id="{7BE119F4-F7CC-4430-A1DB-88C455E8BC26}" type="slidenum">
               <a:rPr lang="en-US" altLang="zh-CN"/>
+              <a:t>‹#›</a:t>
             </a:fld>
             <a:endParaRPr lang="en-US" altLang="zh-CN" dirty="0"/>
           </a:p>
         </p:txBody>
       </p:sp>
     </p:spTree>
+    <p:extLst>
+      <p:ext uri="{BB962C8B-B14F-4D97-AF65-F5344CB8AC3E}">
+        <p14:creationId xmlns:p14="http://schemas.microsoft.com/office/powerpoint/2010/main" val="1346121884"/>
+      </p:ext>
+    </p:extLst>
   </p:cSld>
   <p:clrMap bg1="lt1" tx1="dk1" bg2="lt2" tx2="dk2" accent1="accent1" accent2="accent2" accent3="accent3" accent4="accent4" accent5="accent5" accent6="accent6" hlink="hlink" folHlink="folHlink"/>
   <p:hf sldNum="0" hdr="0" ftr="0" dt="0"/>
@@ -559,7 +595,6 @@
               <a:rPr lang="zh-CN" altLang="en-US" noProof="0" smtClean="0"/>
               <a:t>单击此处编辑母版文本样式</a:t>
             </a:r>
-            <a:endParaRPr lang="zh-CN" altLang="en-US" noProof="0" smtClean="0"/>
           </a:p>
           <a:p>
             <a:pPr lvl="1"/>
@@ -567,7 +602,6 @@
               <a:rPr lang="zh-CN" altLang="en-US" noProof="0" smtClean="0"/>
               <a:t>第二级</a:t>
             </a:r>
-            <a:endParaRPr lang="zh-CN" altLang="en-US" noProof="0" smtClean="0"/>
           </a:p>
           <a:p>
             <a:pPr lvl="2"/>
@@ -575,7 +609,6 @@
               <a:rPr lang="zh-CN" altLang="en-US" noProof="0" smtClean="0"/>
               <a:t>第三级</a:t>
             </a:r>
-            <a:endParaRPr lang="zh-CN" altLang="en-US" noProof="0" smtClean="0"/>
           </a:p>
           <a:p>
             <a:pPr lvl="3"/>
@@ -583,7 +616,6 @@
               <a:rPr lang="zh-CN" altLang="en-US" noProof="0" smtClean="0"/>
               <a:t>第四级</a:t>
             </a:r>
-            <a:endParaRPr lang="zh-CN" altLang="en-US" noProof="0" smtClean="0"/>
           </a:p>
           <a:p>
             <a:pPr lvl="4"/>
@@ -591,7 +623,6 @@
               <a:rPr lang="zh-CN" altLang="en-US" noProof="0" smtClean="0"/>
               <a:t>第五级</a:t>
             </a:r>
-            <a:endParaRPr lang="zh-CN" altLang="en-US" noProof="0" smtClean="0"/>
           </a:p>
         </p:txBody>
       </p:sp>
@@ -679,12 +710,18 @@
             </a:pPr>
             <a:fld id="{06DBFBB8-2C88-4EF5-ACA0-AB33D3C579D0}" type="slidenum">
               <a:rPr lang="en-US" altLang="zh-CN"/>
+              <a:t>‹#›</a:t>
             </a:fld>
             <a:endParaRPr lang="en-US" altLang="zh-CN" dirty="0"/>
           </a:p>
         </p:txBody>
       </p:sp>
     </p:spTree>
+    <p:extLst>
+      <p:ext uri="{BB962C8B-B14F-4D97-AF65-F5344CB8AC3E}">
+        <p14:creationId xmlns:p14="http://schemas.microsoft.com/office/powerpoint/2010/main" val="1544246052"/>
+      </p:ext>
+    </p:extLst>
   </p:cSld>
   <p:clrMap bg1="lt1" tx1="dk1" bg2="lt2" tx2="dk2" accent1="accent1" accent2="accent2" accent3="accent3" accent4="accent4" accent5="accent5" accent6="accent6" hlink="hlink" folHlink="folHlink"/>
   <p:hf sldNum="0" hdr="0" ftr="0" dt="0"/>
@@ -862,6 +899,11 @@
         </p:txBody>
       </p:sp>
     </p:spTree>
+    <p:extLst>
+      <p:ext uri="{BB962C8B-B14F-4D97-AF65-F5344CB8AC3E}">
+        <p14:creationId xmlns:p14="http://schemas.microsoft.com/office/powerpoint/2010/main" val="1274945460"/>
+      </p:ext>
+    </p:extLst>
   </p:cSld>
   <p:clrMapOvr>
     <a:masterClrMapping/>
@@ -870,50 +912,6 @@
 </file>
 
 <file path=ppt/notesSlides/notesSlide10.xml><?xml version="1.0" encoding="utf-8"?>
-<p:notes xmlns:a="http://schemas.openxmlformats.org/drawingml/2006/main" xmlns:r="http://schemas.openxmlformats.org/officeDocument/2006/relationships" xmlns:p="http://schemas.openxmlformats.org/presentationml/2006/main">
-  <p:cSld>
-    <p:spTree>
-      <p:nvGrpSpPr>
-        <p:cNvPr id="1" name=""/>
-        <p:cNvGrpSpPr/>
-        <p:nvPr/>
-      </p:nvGrpSpPr>
-      <p:grpSpPr/>
-      <p:sp>
-        <p:nvSpPr>
-          <p:cNvPr id="2" name="幻灯片图像占位符 1"/>
-          <p:cNvSpPr/>
-          <p:nvPr>
-            <p:ph type="sldImg" idx="2"/>
-          </p:nvPr>
-        </p:nvSpPr>
-        <p:spPr/>
-      </p:sp>
-      <p:sp>
-        <p:nvSpPr>
-          <p:cNvPr id="3" name="文本占位符 2"/>
-          <p:cNvSpPr/>
-          <p:nvPr>
-            <p:ph type="body" idx="3"/>
-          </p:nvPr>
-        </p:nvSpPr>
-        <p:spPr/>
-        <p:txBody>
-          <a:bodyPr/>
-          <a:p>
-            <a:endParaRPr lang="zh-CN" altLang="en-US"/>
-          </a:p>
-        </p:txBody>
-      </p:sp>
-    </p:spTree>
-  </p:cSld>
-  <p:clrMapOvr>
-    <a:masterClrMapping/>
-  </p:clrMapOvr>
-</p:notes>
-</file>
-
-<file path=ppt/notesSlides/notesSlide11.xml><?xml version="1.0" encoding="utf-8"?>
 <p:notes xmlns:a="http://schemas.openxmlformats.org/drawingml/2006/main" xmlns:r="http://schemas.openxmlformats.org/officeDocument/2006/relationships" xmlns:p="http://schemas.openxmlformats.org/presentationml/2006/main">
   <p:cSld>
     <p:spTree>
@@ -957,11 +955,186 @@
           <a:bodyPr/>
           <a:lstStyle/>
           <a:p>
+            <a:pPr marL="0" marR="0" lvl="1" indent="0" algn="l" defTabSz="914400" rtl="0" eaLnBrk="1" fontAlgn="auto" latinLnBrk="0" hangingPunct="1">
+              <a:lnSpc>
+                <a:spcPct val="100000"/>
+              </a:lnSpc>
+              <a:spcBef>
+                <a:spcPts val="0"/>
+              </a:spcBef>
+              <a:spcAft>
+                <a:spcPts val="0"/>
+              </a:spcAft>
+              <a:buClrTx/>
+              <a:buSzTx/>
+              <a:buFontTx/>
+              <a:buNone/>
+              <a:defRPr/>
+            </a:pPr>
+            <a:r>
+              <a:rPr lang="en-US" altLang="zh-CN" dirty="0" smtClean="0"/>
+              <a:t>3</a:t>
+            </a:r>
+            <a:r>
+              <a:rPr lang="zh-CN" altLang="en-US" dirty="0" smtClean="0"/>
+              <a:t>）填入条件项。可从最后</a:t>
+            </a:r>
+            <a:r>
+              <a:rPr lang="en-US" altLang="zh-CN" dirty="0" smtClean="0"/>
+              <a:t>1</a:t>
+            </a:r>
+            <a:r>
+              <a:rPr lang="zh-CN" altLang="en-US" dirty="0" smtClean="0"/>
+              <a:t>行条件项开始，逐行向上填满。如第三行是：</a:t>
+            </a:r>
+            <a:r>
+              <a:rPr lang="en-US" altLang="zh-CN" dirty="0" smtClean="0"/>
+              <a:t> Y n Y n Y n Y n</a:t>
+            </a:r>
+            <a:r>
+              <a:rPr lang="zh-CN" altLang="en-US" dirty="0" smtClean="0"/>
+              <a:t>，第二行是：</a:t>
+            </a:r>
+            <a:r>
+              <a:rPr lang="en-US" altLang="zh-CN" dirty="0" smtClean="0"/>
+              <a:t> Y </a:t>
+            </a:r>
+            <a:r>
+              <a:rPr lang="en-US" altLang="zh-CN" dirty="0" err="1" smtClean="0"/>
+              <a:t>Y</a:t>
+            </a:r>
+            <a:r>
+              <a:rPr lang="en-US" altLang="zh-CN" dirty="0" smtClean="0"/>
+              <a:t> n </a:t>
+            </a:r>
+            <a:r>
+              <a:rPr lang="en-US" altLang="zh-CN" dirty="0" err="1" smtClean="0"/>
+              <a:t>n</a:t>
+            </a:r>
+            <a:r>
+              <a:rPr lang="en-US" altLang="zh-CN" dirty="0" smtClean="0"/>
+              <a:t> Y </a:t>
+            </a:r>
+            <a:r>
+              <a:rPr lang="en-US" altLang="zh-CN" dirty="0" err="1" smtClean="0"/>
+              <a:t>Y</a:t>
+            </a:r>
+            <a:r>
+              <a:rPr lang="en-US" altLang="zh-CN" dirty="0" smtClean="0"/>
+              <a:t> n </a:t>
+            </a:r>
+            <a:r>
+              <a:rPr lang="en-US" altLang="zh-CN" dirty="0" err="1" smtClean="0"/>
+              <a:t>n</a:t>
+            </a:r>
+            <a:r>
+              <a:rPr lang="zh-CN" altLang="en-US" dirty="0" smtClean="0"/>
+              <a:t>等等。</a:t>
+            </a:r>
+            <a:r>
+              <a:rPr lang="en-US" altLang="zh-CN" dirty="0" smtClean="0"/>
+              <a:t>  </a:t>
+            </a:r>
+            <a:endParaRPr lang="zh-CN" altLang="en-US" dirty="0" smtClean="0"/>
+          </a:p>
+          <a:p>
+            <a:endParaRPr lang="en-US" altLang="zh-CN" dirty="0" smtClean="0"/>
+          </a:p>
+          <a:p>
+            <a:endParaRPr lang="zh-CN" altLang="en-US" dirty="0"/>
+          </a:p>
+        </p:txBody>
+      </p:sp>
+      <p:sp>
+        <p:nvSpPr>
+          <p:cNvPr id="4" name="灯片编号占位符 3"/>
+          <p:cNvSpPr>
+            <a:spLocks noGrp="1"/>
+          </p:cNvSpPr>
+          <p:nvPr>
+            <p:ph type="sldNum" sz="quarter" idx="10"/>
+          </p:nvPr>
+        </p:nvSpPr>
+        <p:spPr/>
+        <p:txBody>
+          <a:bodyPr/>
+          <a:lstStyle/>
+          <a:p>
+            <a:fld id="{346059E4-5EE4-4D75-A261-4421B84AC4CE}" type="slidenum">
+              <a:rPr lang="zh-CN" altLang="en-US" smtClean="0"/>
+              <a:t>18</a:t>
+            </a:fld>
             <a:endParaRPr lang="zh-CN" altLang="en-US"/>
           </a:p>
         </p:txBody>
       </p:sp>
     </p:spTree>
+    <p:extLst>
+      <p:ext uri="{BB962C8B-B14F-4D97-AF65-F5344CB8AC3E}">
+        <p14:creationId xmlns:p14="http://schemas.microsoft.com/office/powerpoint/2010/main" val="3455089469"/>
+      </p:ext>
+    </p:extLst>
+  </p:cSld>
+  <p:clrMapOvr>
+    <a:masterClrMapping/>
+  </p:clrMapOvr>
+</p:notes>
+</file>
+
+<file path=ppt/notesSlides/notesSlide11.xml><?xml version="1.0" encoding="utf-8"?>
+<p:notes xmlns:a="http://schemas.openxmlformats.org/drawingml/2006/main" xmlns:r="http://schemas.openxmlformats.org/officeDocument/2006/relationships" xmlns:p="http://schemas.openxmlformats.org/presentationml/2006/main">
+  <p:cSld>
+    <p:spTree>
+      <p:nvGrpSpPr>
+        <p:cNvPr id="1" name=""/>
+        <p:cNvGrpSpPr/>
+        <p:nvPr/>
+      </p:nvGrpSpPr>
+      <p:grpSpPr>
+        <a:xfrm>
+          <a:off x="0" y="0"/>
+          <a:ext cx="0" cy="0"/>
+          <a:chOff x="0" y="0"/>
+          <a:chExt cx="0" cy="0"/>
+        </a:xfrm>
+      </p:grpSpPr>
+      <p:sp>
+        <p:nvSpPr>
+          <p:cNvPr id="2" name="幻灯片图像占位符 1"/>
+          <p:cNvSpPr>
+            <a:spLocks noGrp="1" noRot="1" noChangeAspect="1"/>
+          </p:cNvSpPr>
+          <p:nvPr>
+            <p:ph type="sldImg" idx="2"/>
+          </p:nvPr>
+        </p:nvSpPr>
+        <p:spPr/>
+      </p:sp>
+      <p:sp>
+        <p:nvSpPr>
+          <p:cNvPr id="3" name="文本占位符 2"/>
+          <p:cNvSpPr>
+            <a:spLocks noGrp="1"/>
+          </p:cNvSpPr>
+          <p:nvPr>
+            <p:ph type="body" idx="3"/>
+          </p:nvPr>
+        </p:nvSpPr>
+        <p:spPr/>
+        <p:txBody>
+          <a:bodyPr/>
+          <a:lstStyle/>
+          <a:p>
+            <a:endParaRPr lang="zh-CN" altLang="en-US"/>
+          </a:p>
+        </p:txBody>
+      </p:sp>
+    </p:spTree>
+    <p:extLst>
+      <p:ext uri="{BB962C8B-B14F-4D97-AF65-F5344CB8AC3E}">
+        <p14:creationId xmlns:p14="http://schemas.microsoft.com/office/powerpoint/2010/main" val="2056311831"/>
+      </p:ext>
+    </p:extLst>
   </p:cSld>
   <p:clrMapOvr>
     <a:masterClrMapping/>
@@ -1018,6 +1191,11 @@
         </p:txBody>
       </p:sp>
     </p:spTree>
+    <p:extLst>
+      <p:ext uri="{BB962C8B-B14F-4D97-AF65-F5344CB8AC3E}">
+        <p14:creationId xmlns:p14="http://schemas.microsoft.com/office/powerpoint/2010/main" val="4131012403"/>
+      </p:ext>
+    </p:extLst>
   </p:cSld>
   <p:clrMapOvr>
     <a:masterClrMapping/>
@@ -1034,38 +1212,51 @@
         <p:cNvGrpSpPr/>
         <p:nvPr/>
       </p:nvGrpSpPr>
-      <p:grpSpPr/>
+      <p:grpSpPr>
+        <a:xfrm>
+          <a:off x="0" y="0"/>
+          <a:ext cx="0" cy="0"/>
+          <a:chOff x="0" y="0"/>
+          <a:chExt cx="0" cy="0"/>
+        </a:xfrm>
+      </p:grpSpPr>
       <p:sp>
         <p:nvSpPr>
           <p:cNvPr id="2" name="幻灯片图像占位符 1"/>
-          <p:cNvSpPr/>
+          <p:cNvSpPr>
+            <a:spLocks noGrp="1" noRot="1" noChangeAspect="1"/>
+          </p:cNvSpPr>
           <p:nvPr>
-            <p:ph type="sldImg" idx="2"/>
+            <p:ph type="sldImg"/>
           </p:nvPr>
         </p:nvSpPr>
         <p:spPr/>
       </p:sp>
       <p:sp>
         <p:nvSpPr>
-          <p:cNvPr id="3" name="文本占位符 2"/>
-          <p:cNvSpPr/>
+          <p:cNvPr id="3" name="备注占位符 2"/>
+          <p:cNvSpPr>
+            <a:spLocks noGrp="1"/>
+          </p:cNvSpPr>
           <p:nvPr>
-            <p:ph type="body" idx="3"/>
+            <p:ph type="body" idx="1"/>
           </p:nvPr>
         </p:nvSpPr>
         <p:spPr/>
         <p:txBody>
           <a:bodyPr/>
-          <a:p>
-            <a:r>
-              <a:rPr lang="zh-CN" altLang="en-US"/>
-              <a:t>步骤：分析输入域，分析输出域，建立完整的决策表，对决策表中相似用例进行简化，得到最终的决策表设计用例</a:t>
-            </a:r>
+          <a:lstStyle/>
+          <a:p>
             <a:endParaRPr lang="zh-CN" altLang="en-US"/>
           </a:p>
         </p:txBody>
       </p:sp>
     </p:spTree>
+    <p:extLst>
+      <p:ext uri="{BB962C8B-B14F-4D97-AF65-F5344CB8AC3E}">
+        <p14:creationId xmlns:p14="http://schemas.microsoft.com/office/powerpoint/2010/main" val="1668173791"/>
+      </p:ext>
+    </p:extLst>
   </p:cSld>
   <p:clrMapOvr>
     <a:masterClrMapping/>
@@ -1082,11 +1273,20 @@
         <p:cNvGrpSpPr/>
         <p:nvPr/>
       </p:nvGrpSpPr>
-      <p:grpSpPr/>
+      <p:grpSpPr>
+        <a:xfrm>
+          <a:off x="0" y="0"/>
+          <a:ext cx="0" cy="0"/>
+          <a:chOff x="0" y="0"/>
+          <a:chExt cx="0" cy="0"/>
+        </a:xfrm>
+      </p:grpSpPr>
       <p:sp>
         <p:nvSpPr>
           <p:cNvPr id="2" name="幻灯片图像占位符 1"/>
-          <p:cNvSpPr/>
+          <p:cNvSpPr>
+            <a:spLocks noGrp="1" noRot="1" noChangeAspect="1"/>
+          </p:cNvSpPr>
           <p:nvPr>
             <p:ph type="sldImg" idx="2"/>
           </p:nvPr>
@@ -1096,7 +1296,9 @@
       <p:sp>
         <p:nvSpPr>
           <p:cNvPr id="3" name="文本占位符 2"/>
-          <p:cNvSpPr/>
+          <p:cNvSpPr>
+            <a:spLocks noGrp="1"/>
+          </p:cNvSpPr>
           <p:nvPr>
             <p:ph type="body" idx="3"/>
           </p:nvPr>
@@ -1104,16 +1306,85 @@
         <p:spPr/>
         <p:txBody>
           <a:bodyPr/>
+          <a:lstStyle/>
           <a:p>
             <a:r>
               <a:rPr lang="zh-CN" altLang="en-US"/>
               <a:t>步骤：分析输入域，分析输出域，建立完整的决策表，对决策表中相似用例进行简化，得到最终的决策表设计用例</a:t>
             </a:r>
-            <a:endParaRPr lang="zh-CN" altLang="en-US"/>
           </a:p>
         </p:txBody>
       </p:sp>
     </p:spTree>
+    <p:extLst>
+      <p:ext uri="{BB962C8B-B14F-4D97-AF65-F5344CB8AC3E}">
+        <p14:creationId xmlns:p14="http://schemas.microsoft.com/office/powerpoint/2010/main" val="3963462122"/>
+      </p:ext>
+    </p:extLst>
+  </p:cSld>
+  <p:clrMapOvr>
+    <a:masterClrMapping/>
+  </p:clrMapOvr>
+</p:notes>
+</file>
+
+<file path=ppt/notesSlides/notesSlide15.xml><?xml version="1.0" encoding="utf-8"?>
+<p:notes xmlns:a="http://schemas.openxmlformats.org/drawingml/2006/main" xmlns:r="http://schemas.openxmlformats.org/officeDocument/2006/relationships" xmlns:p="http://schemas.openxmlformats.org/presentationml/2006/main">
+  <p:cSld>
+    <p:spTree>
+      <p:nvGrpSpPr>
+        <p:cNvPr id="1" name=""/>
+        <p:cNvGrpSpPr/>
+        <p:nvPr/>
+      </p:nvGrpSpPr>
+      <p:grpSpPr>
+        <a:xfrm>
+          <a:off x="0" y="0"/>
+          <a:ext cx="0" cy="0"/>
+          <a:chOff x="0" y="0"/>
+          <a:chExt cx="0" cy="0"/>
+        </a:xfrm>
+      </p:grpSpPr>
+      <p:sp>
+        <p:nvSpPr>
+          <p:cNvPr id="2" name="幻灯片图像占位符 1"/>
+          <p:cNvSpPr>
+            <a:spLocks noGrp="1" noRot="1" noChangeAspect="1"/>
+          </p:cNvSpPr>
+          <p:nvPr>
+            <p:ph type="sldImg" idx="2"/>
+          </p:nvPr>
+        </p:nvSpPr>
+        <p:spPr/>
+      </p:sp>
+      <p:sp>
+        <p:nvSpPr>
+          <p:cNvPr id="3" name="文本占位符 2"/>
+          <p:cNvSpPr>
+            <a:spLocks noGrp="1"/>
+          </p:cNvSpPr>
+          <p:nvPr>
+            <p:ph type="body" idx="3"/>
+          </p:nvPr>
+        </p:nvSpPr>
+        <p:spPr/>
+        <p:txBody>
+          <a:bodyPr/>
+          <a:lstStyle/>
+          <a:p>
+            <a:r>
+              <a:rPr lang="zh-CN" altLang="en-US"/>
+              <a:t>步骤：分析输入域，分析输出域，建立完整的决策表，对决策表中相似用例进行简化，得到最终的决策表设计用例</a:t>
+            </a:r>
+          </a:p>
+        </p:txBody>
+      </p:sp>
+    </p:spTree>
+    <p:extLst>
+      <p:ext uri="{BB962C8B-B14F-4D97-AF65-F5344CB8AC3E}">
+        <p14:creationId xmlns:p14="http://schemas.microsoft.com/office/powerpoint/2010/main" val="4193072895"/>
+      </p:ext>
+    </p:extLst>
   </p:cSld>
   <p:clrMapOvr>
     <a:masterClrMapping/>
@@ -1130,11 +1401,20 @@
         <p:cNvGrpSpPr/>
         <p:nvPr/>
       </p:nvGrpSpPr>
-      <p:grpSpPr/>
+      <p:grpSpPr>
+        <a:xfrm>
+          <a:off x="0" y="0"/>
+          <a:ext cx="0" cy="0"/>
+          <a:chOff x="0" y="0"/>
+          <a:chExt cx="0" cy="0"/>
+        </a:xfrm>
+      </p:grpSpPr>
       <p:sp>
         <p:nvSpPr>
           <p:cNvPr id="2" name="幻灯片图像占位符 1"/>
-          <p:cNvSpPr/>
+          <p:cNvSpPr>
+            <a:spLocks noGrp="1" noRot="1" noChangeAspect="1"/>
+          </p:cNvSpPr>
           <p:nvPr>
             <p:ph type="sldImg" idx="2"/>
           </p:nvPr>
@@ -1144,7 +1424,9 @@
       <p:sp>
         <p:nvSpPr>
           <p:cNvPr id="3" name="文本占位符 2"/>
-          <p:cNvSpPr/>
+          <p:cNvSpPr>
+            <a:spLocks noGrp="1"/>
+          </p:cNvSpPr>
           <p:nvPr>
             <p:ph type="body" idx="3"/>
           </p:nvPr>
@@ -1152,19 +1434,18 @@
         <p:spPr/>
         <p:txBody>
           <a:bodyPr/>
+          <a:lstStyle/>
           <a:p>
             <a:r>
               <a:rPr lang="zh-CN" altLang="en-US"/>
               <a:t>输入条件存在相互关联，等价类是独立性假设，忽略关联性会造成严重的冗余</a:t>
             </a:r>
-            <a:endParaRPr lang="zh-CN" altLang="en-US"/>
           </a:p>
           <a:p>
             <a:r>
               <a:rPr lang="zh-CN" altLang="en-US"/>
               <a:t>边界值法，金额有边界点，但是是否过期就只有两个值，不太适合用边界法</a:t>
             </a:r>
-            <a:endParaRPr lang="zh-CN" altLang="en-US"/>
           </a:p>
           <a:p>
             <a:endParaRPr lang="zh-CN" altLang="en-US"/>
@@ -1172,6 +1453,11 @@
         </p:txBody>
       </p:sp>
     </p:spTree>
+    <p:extLst>
+      <p:ext uri="{BB962C8B-B14F-4D97-AF65-F5344CB8AC3E}">
+        <p14:creationId xmlns:p14="http://schemas.microsoft.com/office/powerpoint/2010/main" val="2046766753"/>
+      </p:ext>
+    </p:extLst>
   </p:cSld>
   <p:clrMapOvr>
     <a:masterClrMapping/>
@@ -1188,11 +1474,20 @@
         <p:cNvGrpSpPr/>
         <p:nvPr/>
       </p:nvGrpSpPr>
-      <p:grpSpPr/>
+      <p:grpSpPr>
+        <a:xfrm>
+          <a:off x="0" y="0"/>
+          <a:ext cx="0" cy="0"/>
+          <a:chOff x="0" y="0"/>
+          <a:chExt cx="0" cy="0"/>
+        </a:xfrm>
+      </p:grpSpPr>
       <p:sp>
         <p:nvSpPr>
           <p:cNvPr id="2" name="幻灯片图像占位符 1"/>
-          <p:cNvSpPr/>
+          <p:cNvSpPr>
+            <a:spLocks noGrp="1" noRot="1" noChangeAspect="1"/>
+          </p:cNvSpPr>
           <p:nvPr>
             <p:ph type="sldImg" idx="2"/>
           </p:nvPr>
@@ -1202,7 +1497,9 @@
       <p:sp>
         <p:nvSpPr>
           <p:cNvPr id="3" name="文本占位符 2"/>
-          <p:cNvSpPr/>
+          <p:cNvSpPr>
+            <a:spLocks noGrp="1"/>
+          </p:cNvSpPr>
           <p:nvPr>
             <p:ph type="body" idx="3"/>
           </p:nvPr>
@@ -1210,16 +1507,21 @@
         <p:spPr/>
         <p:txBody>
           <a:bodyPr/>
+          <a:lstStyle/>
           <a:p>
             <a:r>
               <a:rPr lang="zh-CN" altLang="en-US"/>
               <a:t>决策表法又叫做判定表，是同一个方法</a:t>
             </a:r>
-            <a:endParaRPr lang="zh-CN" altLang="en-US"/>
           </a:p>
         </p:txBody>
       </p:sp>
     </p:spTree>
+    <p:extLst>
+      <p:ext uri="{BB962C8B-B14F-4D97-AF65-F5344CB8AC3E}">
+        <p14:creationId xmlns:p14="http://schemas.microsoft.com/office/powerpoint/2010/main" val="1278664209"/>
+      </p:ext>
+    </p:extLst>
   </p:cSld>
   <p:clrMapOvr>
     <a:masterClrMapping/>
@@ -1275,11 +1577,15 @@
               <a:rPr lang="zh-CN" altLang="en-US"/>
               <a:t>这句话的意思也不太理解</a:t>
             </a:r>
-            <a:endParaRPr lang="zh-CN" altLang="en-US"/>
           </a:p>
         </p:txBody>
       </p:sp>
     </p:spTree>
+    <p:extLst>
+      <p:ext uri="{BB962C8B-B14F-4D97-AF65-F5344CB8AC3E}">
+        <p14:creationId xmlns:p14="http://schemas.microsoft.com/office/powerpoint/2010/main" val="1437791797"/>
+      </p:ext>
+    </p:extLst>
   </p:cSld>
   <p:clrMapOvr>
     <a:masterClrMapping/>
@@ -1367,12 +1673,6 @@
               </a:rPr>
               <a:t>）：列出了问题的所有条件。通常认为列出的条件的次序无关紧要。</a:t>
             </a:r>
-            <a:endParaRPr lang="zh-CN" altLang="en-US" dirty="0" smtClean="0">
-              <a:solidFill>
-                <a:srgbClr val="5F5E5C"/>
-              </a:solidFill>
-              <a:latin typeface="楷体" panose="02010609060101010101" pitchFamily="49" charset="-122"/>
-            </a:endParaRPr>
           </a:p>
           <a:p>
             <a:r>
@@ -1411,12 +1711,6 @@
               </a:rPr>
               <a:t>）：列出了问题规定可能采取的操作。这些操作的排列顺序没有约束。</a:t>
             </a:r>
-            <a:endParaRPr lang="zh-CN" altLang="en-US" dirty="0" smtClean="0">
-              <a:solidFill>
-                <a:srgbClr val="5F5E5C"/>
-              </a:solidFill>
-              <a:latin typeface="楷体" panose="02010609060101010101" pitchFamily="49" charset="-122"/>
-            </a:endParaRPr>
           </a:p>
           <a:p>
             <a:r>
@@ -1455,12 +1749,6 @@
               </a:rPr>
               <a:t>）：列出针对它左列条件的取值。在所有可能情况下的真假值。</a:t>
             </a:r>
-            <a:endParaRPr lang="zh-CN" altLang="en-US" dirty="0" smtClean="0">
-              <a:solidFill>
-                <a:srgbClr val="5F5E5C"/>
-              </a:solidFill>
-              <a:latin typeface="楷体" panose="02010609060101010101" pitchFamily="49" charset="-122"/>
-            </a:endParaRPr>
           </a:p>
           <a:p>
             <a:r>
@@ -1576,12 +1864,18 @@
           <a:p>
             <a:fld id="{346059E4-5EE4-4D75-A261-4421B84AC4CE}" type="slidenum">
               <a:rPr lang="zh-CN" altLang="en-US" smtClean="0"/>
+              <a:t>6</a:t>
             </a:fld>
             <a:endParaRPr lang="zh-CN" altLang="en-US"/>
           </a:p>
         </p:txBody>
       </p:sp>
     </p:spTree>
+    <p:extLst>
+      <p:ext uri="{BB962C8B-B14F-4D97-AF65-F5344CB8AC3E}">
+        <p14:creationId xmlns:p14="http://schemas.microsoft.com/office/powerpoint/2010/main" val="479215643"/>
+      </p:ext>
+    </p:extLst>
   </p:cSld>
   <p:clrMapOvr>
     <a:masterClrMapping/>
@@ -1590,50 +1884,6 @@
 </file>
 
 <file path=ppt/notesSlides/notesSlide6.xml><?xml version="1.0" encoding="utf-8"?>
-<p:notes xmlns:a="http://schemas.openxmlformats.org/drawingml/2006/main" xmlns:r="http://schemas.openxmlformats.org/officeDocument/2006/relationships" xmlns:p="http://schemas.openxmlformats.org/presentationml/2006/main">
-  <p:cSld>
-    <p:spTree>
-      <p:nvGrpSpPr>
-        <p:cNvPr id="1" name=""/>
-        <p:cNvGrpSpPr/>
-        <p:nvPr/>
-      </p:nvGrpSpPr>
-      <p:grpSpPr/>
-      <p:sp>
-        <p:nvSpPr>
-          <p:cNvPr id="2" name="幻灯片图像占位符 1"/>
-          <p:cNvSpPr/>
-          <p:nvPr>
-            <p:ph type="sldImg" idx="2"/>
-          </p:nvPr>
-        </p:nvSpPr>
-        <p:spPr/>
-      </p:sp>
-      <p:sp>
-        <p:nvSpPr>
-          <p:cNvPr id="3" name="文本占位符 2"/>
-          <p:cNvSpPr/>
-          <p:nvPr>
-            <p:ph type="body" idx="3"/>
-          </p:nvPr>
-        </p:nvSpPr>
-        <p:spPr/>
-        <p:txBody>
-          <a:bodyPr/>
-          <a:p>
-            <a:endParaRPr lang="zh-CN" altLang="en-US"/>
-          </a:p>
-        </p:txBody>
-      </p:sp>
-    </p:spTree>
-  </p:cSld>
-  <p:clrMapOvr>
-    <a:masterClrMapping/>
-  </p:clrMapOvr>
-</p:notes>
-</file>
-
-<file path=ppt/notesSlides/notesSlide7.xml><?xml version="1.0" encoding="utf-8"?>
 <p:notes xmlns:a="http://schemas.openxmlformats.org/drawingml/2006/main" xmlns:r="http://schemas.openxmlformats.org/officeDocument/2006/relationships" xmlns:p="http://schemas.openxmlformats.org/presentationml/2006/main">
   <p:cSld>
     <p:spTree>
@@ -1677,195 +1927,60 @@
           <a:bodyPr/>
           <a:lstStyle/>
           <a:p>
-            <a:pPr marL="0" marR="0" indent="0" algn="l" defTabSz="914400" rtl="0" eaLnBrk="0" fontAlgn="base" latinLnBrk="0" hangingPunct="0">
-              <a:lnSpc>
-                <a:spcPct val="100000"/>
-              </a:lnSpc>
-              <a:spcBef>
-                <a:spcPct val="30000"/>
-              </a:spcBef>
-              <a:spcAft>
-                <a:spcPct val="0"/>
-              </a:spcAft>
-              <a:buClrTx/>
-              <a:buSzTx/>
-              <a:buFontTx/>
-              <a:buNone/>
-              <a:defRPr/>
-            </a:pPr>
-            <a:r>
-              <a:rPr lang="zh-CN" altLang="en-US" b="1" dirty="0" smtClean="0"/>
-              <a:t>这里假定，</a:t>
-            </a:r>
-            <a:r>
-              <a:rPr lang="en-US" altLang="zh-CN" b="1" dirty="0" smtClean="0"/>
-              <a:t>“</a:t>
-            </a:r>
-            <a:r>
-              <a:rPr lang="zh-CN" altLang="en-US" b="1" dirty="0" smtClean="0"/>
-              <a:t>维修记录不全</a:t>
-            </a:r>
-            <a:r>
-              <a:rPr lang="en-US" altLang="zh-CN" b="1" dirty="0" smtClean="0"/>
-              <a:t>”</a:t>
-            </a:r>
-            <a:r>
-              <a:rPr lang="zh-CN" altLang="en-US" b="1" dirty="0" smtClean="0"/>
-              <a:t>和</a:t>
-            </a:r>
-            <a:r>
-              <a:rPr lang="en-US" altLang="zh-CN" b="1" dirty="0" smtClean="0"/>
-              <a:t>“</a:t>
-            </a:r>
-            <a:r>
-              <a:rPr lang="zh-CN" altLang="en-US" b="1" dirty="0" smtClean="0"/>
-              <a:t>优先维修处理</a:t>
-            </a:r>
-            <a:r>
-              <a:rPr lang="en-US" altLang="zh-CN" b="1" dirty="0" smtClean="0"/>
-              <a:t>”</a:t>
-            </a:r>
-            <a:r>
-              <a:rPr lang="zh-CN" altLang="en-US" b="1" dirty="0" smtClean="0"/>
-              <a:t>均已在别处有更严格的定义。</a:t>
-            </a:r>
-            <a:endParaRPr lang="en-US" altLang="zh-CN" b="1" dirty="0" smtClean="0"/>
-          </a:p>
-          <a:p>
-            <a:pPr marL="0" marR="0" indent="0" algn="l" defTabSz="914400" rtl="0" eaLnBrk="0" fontAlgn="base" latinLnBrk="0" hangingPunct="0">
-              <a:lnSpc>
-                <a:spcPct val="100000"/>
-              </a:lnSpc>
-              <a:spcBef>
-                <a:spcPct val="30000"/>
-              </a:spcBef>
-              <a:spcAft>
-                <a:spcPct val="0"/>
-              </a:spcAft>
-              <a:buClrTx/>
-              <a:buSzTx/>
-              <a:buFontTx/>
-              <a:buNone/>
-              <a:defRPr/>
-            </a:pPr>
-            <a:r>
-              <a:rPr lang="zh-CN" altLang="en-US" dirty="0" smtClean="0"/>
-              <a:t>前两个条件</a:t>
-            </a:r>
-            <a:r>
-              <a:rPr lang="zh-CN" altLang="en-US" baseline="0" dirty="0" smtClean="0"/>
-              <a:t>  同时成立  或者  第三个条件成立  都可以</a:t>
-            </a:r>
-            <a:endParaRPr lang="en-US" altLang="zh-CN" baseline="0" dirty="0" smtClean="0"/>
-          </a:p>
-          <a:p>
-            <a:pPr marL="0" marR="0" indent="0" algn="l" defTabSz="914400" rtl="0" eaLnBrk="0" fontAlgn="base" latinLnBrk="0" hangingPunct="0">
-              <a:lnSpc>
-                <a:spcPct val="100000"/>
-              </a:lnSpc>
-              <a:spcBef>
-                <a:spcPct val="30000"/>
-              </a:spcBef>
-              <a:spcAft>
-                <a:spcPct val="0"/>
-              </a:spcAft>
-              <a:buClrTx/>
-              <a:buSzTx/>
-              <a:buFontTx/>
-              <a:buNone/>
-              <a:defRPr/>
-            </a:pPr>
-            <a:endParaRPr lang="en-US" altLang="zh-CN" baseline="0" dirty="0" smtClean="0"/>
-          </a:p>
-          <a:p>
-            <a:pPr marL="0" marR="0" indent="0" algn="l" defTabSz="914400" rtl="0" eaLnBrk="0" fontAlgn="base" latinLnBrk="0" hangingPunct="0">
-              <a:lnSpc>
-                <a:spcPct val="100000"/>
-              </a:lnSpc>
-              <a:spcBef>
-                <a:spcPct val="30000"/>
-              </a:spcBef>
-              <a:spcAft>
-                <a:spcPct val="0"/>
-              </a:spcAft>
-              <a:buClrTx/>
-              <a:buSzTx/>
-              <a:buFontTx/>
-              <a:buNone/>
-              <a:defRPr/>
-            </a:pPr>
-            <a:r>
-              <a:rPr lang="zh-CN" altLang="en-US" baseline="0" dirty="0" smtClean="0"/>
-              <a:t>首先阅读需求，发现条件之间存在一些 组合关系  并不是孤立存在的  </a:t>
-            </a:r>
-            <a:endParaRPr lang="en-US" altLang="zh-CN" baseline="0" dirty="0" smtClean="0"/>
-          </a:p>
-          <a:p>
-            <a:pPr marL="0" marR="0" indent="0" algn="l" defTabSz="914400" rtl="0" eaLnBrk="0" fontAlgn="base" latinLnBrk="0" hangingPunct="0">
-              <a:lnSpc>
-                <a:spcPct val="100000"/>
-              </a:lnSpc>
-              <a:spcBef>
-                <a:spcPct val="30000"/>
-              </a:spcBef>
-              <a:spcAft>
-                <a:spcPct val="0"/>
-              </a:spcAft>
-              <a:buClrTx/>
-              <a:buSzTx/>
-              <a:buFontTx/>
-              <a:buNone/>
-              <a:defRPr/>
-            </a:pPr>
-            <a:r>
-              <a:rPr lang="zh-CN" altLang="en-US" baseline="0" dirty="0" smtClean="0"/>
-              <a:t>这时候就可以考虑采用 “决策表法”</a:t>
-            </a:r>
-            <a:endParaRPr lang="zh-CN" altLang="en-US" dirty="0" smtClean="0"/>
-          </a:p>
-          <a:p>
-            <a:r>
-              <a:rPr lang="en-US" altLang="zh-CN" dirty="0" smtClean="0"/>
-              <a:t>1</a:t>
-            </a:r>
-            <a:r>
-              <a:rPr lang="zh-CN" altLang="en-US" dirty="0" smtClean="0"/>
-              <a:t>）列出所有的条件桩和动作桩 （条件桩：</a:t>
-            </a:r>
-            <a:r>
-              <a:rPr lang="en-US" altLang="zh-CN" dirty="0" smtClean="0"/>
-              <a:t>1 2 3  </a:t>
-            </a:r>
-            <a:r>
-              <a:rPr lang="zh-CN" altLang="en-US" dirty="0" smtClean="0"/>
-              <a:t>动作桩：隐含了“作其他处理”）  如图所示</a:t>
-            </a:r>
-            <a:endParaRPr lang="en-US" altLang="zh-CN" dirty="0" smtClean="0"/>
-          </a:p>
-          <a:p>
-            <a:r>
-              <a:rPr lang="en-US" altLang="zh-CN" dirty="0" smtClean="0"/>
-              <a:t>2</a:t>
-            </a:r>
-            <a:r>
-              <a:rPr lang="zh-CN" altLang="en-US" dirty="0" smtClean="0"/>
-              <a:t>）然后考虑</a:t>
-            </a:r>
-            <a:endParaRPr lang="zh-CN" altLang="en-US" dirty="0" smtClean="0"/>
-          </a:p>
-          <a:p>
             <a:endParaRPr lang="zh-CN" altLang="en-US" dirty="0"/>
           </a:p>
         </p:txBody>
+      </p:sp>
+    </p:spTree>
+    <p:extLst>
+      <p:ext uri="{BB962C8B-B14F-4D97-AF65-F5344CB8AC3E}">
+        <p14:creationId xmlns:p14="http://schemas.microsoft.com/office/powerpoint/2010/main" val="524461981"/>
+      </p:ext>
+    </p:extLst>
+  </p:cSld>
+  <p:clrMapOvr>
+    <a:masterClrMapping/>
+  </p:clrMapOvr>
+</p:notes>
+</file>
+
+<file path=ppt/notesSlides/notesSlide7.xml><?xml version="1.0" encoding="utf-8"?>
+<p:notes xmlns:a="http://schemas.openxmlformats.org/drawingml/2006/main" xmlns:r="http://schemas.openxmlformats.org/officeDocument/2006/relationships" xmlns:p="http://schemas.openxmlformats.org/presentationml/2006/main">
+  <p:cSld>
+    <p:spTree>
+      <p:nvGrpSpPr>
+        <p:cNvPr id="1" name=""/>
+        <p:cNvGrpSpPr/>
+        <p:nvPr/>
+      </p:nvGrpSpPr>
+      <p:grpSpPr>
+        <a:xfrm>
+          <a:off x="0" y="0"/>
+          <a:ext cx="0" cy="0"/>
+          <a:chOff x="0" y="0"/>
+          <a:chExt cx="0" cy="0"/>
+        </a:xfrm>
+      </p:grpSpPr>
+      <p:sp>
+        <p:nvSpPr>
+          <p:cNvPr id="2" name="幻灯片图像占位符 1"/>
+          <p:cNvSpPr>
+            <a:spLocks noGrp="1" noRot="1" noChangeAspect="1"/>
+          </p:cNvSpPr>
+          <p:nvPr>
+            <p:ph type="sldImg" idx="2"/>
+          </p:nvPr>
+        </p:nvSpPr>
+        <p:spPr/>
       </p:sp>
       <p:sp>
         <p:nvSpPr>
-          <p:cNvPr id="4" name="灯片编号占位符 3"/>
+          <p:cNvPr id="3" name="文本占位符 2"/>
           <p:cNvSpPr>
             <a:spLocks noGrp="1"/>
           </p:cNvSpPr>
           <p:nvPr>
-            <p:ph type="sldNum" sz="quarter" idx="10"/>
+            <p:ph type="body" idx="3"/>
           </p:nvPr>
         </p:nvSpPr>
         <p:spPr/>
@@ -1873,14 +1988,16 @@
           <a:bodyPr/>
           <a:lstStyle/>
           <a:p>
-            <a:fld id="{346059E4-5EE4-4D75-A261-4421B84AC4CE}" type="slidenum">
-              <a:rPr lang="zh-CN" altLang="en-US" smtClean="0"/>
-            </a:fld>
             <a:endParaRPr lang="zh-CN" altLang="en-US"/>
           </a:p>
         </p:txBody>
       </p:sp>
     </p:spTree>
+    <p:extLst>
+      <p:ext uri="{BB962C8B-B14F-4D97-AF65-F5344CB8AC3E}">
+        <p14:creationId xmlns:p14="http://schemas.microsoft.com/office/powerpoint/2010/main" val="249218767"/>
+      </p:ext>
+    </p:extLst>
   </p:cSld>
   <p:clrMapOvr>
     <a:masterClrMapping/>
@@ -1932,15 +2049,15 @@
           <a:bodyPr/>
           <a:lstStyle/>
           <a:p>
-            <a:pPr marL="0" marR="0" lvl="1" indent="0" algn="l" defTabSz="914400" rtl="0" eaLnBrk="1" fontAlgn="auto" latinLnBrk="0" hangingPunct="1">
+            <a:pPr marL="0" marR="0" indent="0" algn="l" defTabSz="914400" rtl="0" eaLnBrk="0" fontAlgn="base" latinLnBrk="0" hangingPunct="0">
               <a:lnSpc>
                 <a:spcPct val="100000"/>
               </a:lnSpc>
               <a:spcBef>
-                <a:spcPts val="0"/>
+                <a:spcPct val="30000"/>
               </a:spcBef>
               <a:spcAft>
-                <a:spcPts val="0"/>
+                <a:spcPct val="0"/>
               </a:spcAft>
               <a:buClrTx/>
               <a:buSzTx/>
@@ -1949,73 +2066,163 @@
               <a:defRPr/>
             </a:pPr>
             <a:r>
-              <a:rPr lang="en-US" altLang="zh-CN" dirty="0" smtClean="0"/>
-              <a:t>3</a:t>
-            </a:r>
+              <a:rPr lang="zh-CN" altLang="en-US" b="1" dirty="0" smtClean="0"/>
+              <a:t>这里假定，</a:t>
+            </a:r>
+            <a:r>
+              <a:rPr lang="en-US" altLang="zh-CN" b="1" dirty="0" smtClean="0"/>
+              <a:t>“</a:t>
+            </a:r>
+            <a:r>
+              <a:rPr lang="zh-CN" altLang="en-US" b="1" dirty="0" smtClean="0"/>
+              <a:t>维修记录不全</a:t>
+            </a:r>
+            <a:r>
+              <a:rPr lang="en-US" altLang="zh-CN" b="1" dirty="0" smtClean="0"/>
+              <a:t>”</a:t>
+            </a:r>
+            <a:r>
+              <a:rPr lang="zh-CN" altLang="en-US" b="1" dirty="0" smtClean="0"/>
+              <a:t>和</a:t>
+            </a:r>
+            <a:r>
+              <a:rPr lang="en-US" altLang="zh-CN" b="1" dirty="0" smtClean="0"/>
+              <a:t>“</a:t>
+            </a:r>
+            <a:r>
+              <a:rPr lang="zh-CN" altLang="en-US" b="1" dirty="0" smtClean="0"/>
+              <a:t>优先维修处理</a:t>
+            </a:r>
+            <a:r>
+              <a:rPr lang="en-US" altLang="zh-CN" b="1" dirty="0" smtClean="0"/>
+              <a:t>”</a:t>
+            </a:r>
+            <a:r>
+              <a:rPr lang="zh-CN" altLang="en-US" b="1" dirty="0" smtClean="0"/>
+              <a:t>均已在别处有更严格的定义。</a:t>
+            </a:r>
+            <a:endParaRPr lang="en-US" altLang="zh-CN" b="1" dirty="0" smtClean="0"/>
+          </a:p>
+          <a:p>
+            <a:pPr marL="0" marR="0" indent="0" algn="l" defTabSz="914400" rtl="0" eaLnBrk="0" fontAlgn="base" latinLnBrk="0" hangingPunct="0">
+              <a:lnSpc>
+                <a:spcPct val="100000"/>
+              </a:lnSpc>
+              <a:spcBef>
+                <a:spcPct val="30000"/>
+              </a:spcBef>
+              <a:spcAft>
+                <a:spcPct val="0"/>
+              </a:spcAft>
+              <a:buClrTx/>
+              <a:buSzTx/>
+              <a:buFontTx/>
+              <a:buNone/>
+              <a:defRPr/>
+            </a:pPr>
             <a:r>
               <a:rPr lang="zh-CN" altLang="en-US" dirty="0" smtClean="0"/>
-              <a:t>）填入条件项。可从最后</a:t>
-            </a:r>
+              <a:t>前两个条件</a:t>
+            </a:r>
+            <a:r>
+              <a:rPr lang="zh-CN" altLang="en-US" baseline="0" dirty="0" smtClean="0"/>
+              <a:t>  同时成立  或者  第三个条件成立  都可以</a:t>
+            </a:r>
+            <a:endParaRPr lang="en-US" altLang="zh-CN" baseline="0" dirty="0" smtClean="0"/>
+          </a:p>
+          <a:p>
+            <a:pPr marL="0" marR="0" indent="0" algn="l" defTabSz="914400" rtl="0" eaLnBrk="0" fontAlgn="base" latinLnBrk="0" hangingPunct="0">
+              <a:lnSpc>
+                <a:spcPct val="100000"/>
+              </a:lnSpc>
+              <a:spcBef>
+                <a:spcPct val="30000"/>
+              </a:spcBef>
+              <a:spcAft>
+                <a:spcPct val="0"/>
+              </a:spcAft>
+              <a:buClrTx/>
+              <a:buSzTx/>
+              <a:buFontTx/>
+              <a:buNone/>
+              <a:defRPr/>
+            </a:pPr>
+            <a:endParaRPr lang="en-US" altLang="zh-CN" baseline="0" dirty="0" smtClean="0"/>
+          </a:p>
+          <a:p>
+            <a:pPr marL="0" marR="0" indent="0" algn="l" defTabSz="914400" rtl="0" eaLnBrk="0" fontAlgn="base" latinLnBrk="0" hangingPunct="0">
+              <a:lnSpc>
+                <a:spcPct val="100000"/>
+              </a:lnSpc>
+              <a:spcBef>
+                <a:spcPct val="30000"/>
+              </a:spcBef>
+              <a:spcAft>
+                <a:spcPct val="0"/>
+              </a:spcAft>
+              <a:buClrTx/>
+              <a:buSzTx/>
+              <a:buFontTx/>
+              <a:buNone/>
+              <a:defRPr/>
+            </a:pPr>
+            <a:r>
+              <a:rPr lang="zh-CN" altLang="en-US" baseline="0" dirty="0" smtClean="0"/>
+              <a:t>首先阅读需求，发现条件之间存在一些 组合关系  并不是孤立存在的  </a:t>
+            </a:r>
+            <a:endParaRPr lang="en-US" altLang="zh-CN" baseline="0" dirty="0" smtClean="0"/>
+          </a:p>
+          <a:p>
+            <a:pPr marL="0" marR="0" indent="0" algn="l" defTabSz="914400" rtl="0" eaLnBrk="0" fontAlgn="base" latinLnBrk="0" hangingPunct="0">
+              <a:lnSpc>
+                <a:spcPct val="100000"/>
+              </a:lnSpc>
+              <a:spcBef>
+                <a:spcPct val="30000"/>
+              </a:spcBef>
+              <a:spcAft>
+                <a:spcPct val="0"/>
+              </a:spcAft>
+              <a:buClrTx/>
+              <a:buSzTx/>
+              <a:buFontTx/>
+              <a:buNone/>
+              <a:defRPr/>
+            </a:pPr>
+            <a:r>
+              <a:rPr lang="zh-CN" altLang="en-US" baseline="0" dirty="0" smtClean="0"/>
+              <a:t>这时候就可以考虑采用 “决策表法”</a:t>
+            </a:r>
+            <a:endParaRPr lang="zh-CN" altLang="en-US" dirty="0" smtClean="0"/>
+          </a:p>
+          <a:p>
             <a:r>
               <a:rPr lang="en-US" altLang="zh-CN" dirty="0" smtClean="0"/>
               <a:t>1</a:t>
             </a:r>
             <a:r>
               <a:rPr lang="zh-CN" altLang="en-US" dirty="0" smtClean="0"/>
-              <a:t>行条件项开始，逐行向上填满。如第三行是：</a:t>
+              <a:t>）列出所有的条件桩和动作桩 （条件桩：</a:t>
             </a:r>
             <a:r>
               <a:rPr lang="en-US" altLang="zh-CN" dirty="0" smtClean="0"/>
-              <a:t> Y n Y n Y n Y n</a:t>
+              <a:t>1 2 3  </a:t>
             </a:r>
             <a:r>
               <a:rPr lang="zh-CN" altLang="en-US" dirty="0" smtClean="0"/>
-              <a:t>，第二行是：</a:t>
-            </a:r>
+              <a:t>动作桩：隐含了“作其他处理”）  如图所示</a:t>
+            </a:r>
+            <a:endParaRPr lang="en-US" altLang="zh-CN" dirty="0" smtClean="0"/>
+          </a:p>
+          <a:p>
             <a:r>
               <a:rPr lang="en-US" altLang="zh-CN" dirty="0" smtClean="0"/>
-              <a:t> Y </a:t>
-            </a:r>
-            <a:r>
-              <a:rPr lang="en-US" altLang="zh-CN" dirty="0" err="1" smtClean="0"/>
-              <a:t>Y</a:t>
-            </a:r>
-            <a:r>
-              <a:rPr lang="en-US" altLang="zh-CN" dirty="0" smtClean="0"/>
-              <a:t> n </a:t>
-            </a:r>
-            <a:r>
-              <a:rPr lang="en-US" altLang="zh-CN" dirty="0" err="1" smtClean="0"/>
-              <a:t>n</a:t>
-            </a:r>
-            <a:r>
-              <a:rPr lang="en-US" altLang="zh-CN" dirty="0" smtClean="0"/>
-              <a:t> Y </a:t>
-            </a:r>
-            <a:r>
-              <a:rPr lang="en-US" altLang="zh-CN" dirty="0" err="1" smtClean="0"/>
-              <a:t>Y</a:t>
-            </a:r>
-            <a:r>
-              <a:rPr lang="en-US" altLang="zh-CN" dirty="0" smtClean="0"/>
-              <a:t> n </a:t>
-            </a:r>
-            <a:r>
-              <a:rPr lang="en-US" altLang="zh-CN" dirty="0" err="1" smtClean="0"/>
-              <a:t>n</a:t>
+              <a:t>2</a:t>
             </a:r>
             <a:r>
               <a:rPr lang="zh-CN" altLang="en-US" dirty="0" smtClean="0"/>
-              <a:t>等等。</a:t>
-            </a:r>
-            <a:r>
-              <a:rPr lang="en-US" altLang="zh-CN" dirty="0" smtClean="0"/>
-              <a:t>  </a:t>
-            </a:r>
-            <a:endParaRPr lang="zh-CN" altLang="en-US" dirty="0" smtClean="0"/>
-          </a:p>
-          <a:p>
-            <a:endParaRPr lang="en-US" altLang="zh-CN" dirty="0" smtClean="0"/>
+              <a:t>）然后考虑</a:t>
+            </a:r>
           </a:p>
           <a:p>
             <a:endParaRPr lang="zh-CN" altLang="en-US" dirty="0"/>
@@ -2039,12 +2246,18 @@
           <a:p>
             <a:fld id="{346059E4-5EE4-4D75-A261-4421B84AC4CE}" type="slidenum">
               <a:rPr lang="zh-CN" altLang="en-US" smtClean="0"/>
+              <a:t>16</a:t>
             </a:fld>
             <a:endParaRPr lang="zh-CN" altLang="en-US"/>
           </a:p>
         </p:txBody>
       </p:sp>
     </p:spTree>
+    <p:extLst>
+      <p:ext uri="{BB962C8B-B14F-4D97-AF65-F5344CB8AC3E}">
+        <p14:creationId xmlns:p14="http://schemas.microsoft.com/office/powerpoint/2010/main" val="2121548818"/>
+      </p:ext>
+    </p:extLst>
   </p:cSld>
   <p:clrMapOvr>
     <a:masterClrMapping/>
@@ -2203,12 +2416,18 @@
           <a:p>
             <a:fld id="{346059E4-5EE4-4D75-A261-4421B84AC4CE}" type="slidenum">
               <a:rPr lang="zh-CN" altLang="en-US" smtClean="0"/>
+              <a:t>17</a:t>
             </a:fld>
             <a:endParaRPr lang="zh-CN" altLang="en-US"/>
           </a:p>
         </p:txBody>
       </p:sp>
     </p:spTree>
+    <p:extLst>
+      <p:ext uri="{BB962C8B-B14F-4D97-AF65-F5344CB8AC3E}">
+        <p14:creationId xmlns:p14="http://schemas.microsoft.com/office/powerpoint/2010/main" val="2253962186"/>
+      </p:ext>
+    </p:extLst>
   </p:cSld>
   <p:clrMapOvr>
     <a:masterClrMapping/>
@@ -2261,7 +2480,6 @@
               <a:rPr lang="zh-CN" altLang="en-US" dirty="0"/>
               <a:t>单击此处编辑母版标题样式</a:t>
             </a:r>
-            <a:endParaRPr lang="zh-CN" altLang="en-US" dirty="0"/>
           </a:p>
         </p:txBody>
       </p:sp>
@@ -2295,7 +2513,6 @@
               <a:rPr lang="zh-CN" altLang="en-US" dirty="0"/>
               <a:t>单击此处编辑母版副标题样式</a:t>
             </a:r>
-            <a:endParaRPr lang="zh-CN" altLang="en-US" dirty="0"/>
           </a:p>
         </p:txBody>
       </p:sp>
@@ -2443,7 +2660,6 @@
               <a:rPr lang="zh-CN" altLang="en-US" dirty="0" smtClean="0"/>
               <a:t>单击此处编辑母版文本样式</a:t>
             </a:r>
-            <a:endParaRPr lang="zh-CN" altLang="en-US" dirty="0" smtClean="0"/>
           </a:p>
           <a:p>
             <a:pPr lvl="1"/>
@@ -2451,7 +2667,6 @@
               <a:rPr lang="zh-CN" altLang="en-US" dirty="0" smtClean="0"/>
               <a:t>第二级</a:t>
             </a:r>
-            <a:endParaRPr lang="zh-CN" altLang="en-US" dirty="0" smtClean="0"/>
           </a:p>
           <a:p>
             <a:pPr lvl="2"/>
@@ -2459,7 +2674,6 @@
               <a:rPr lang="zh-CN" altLang="en-US" dirty="0" smtClean="0"/>
               <a:t>第三级</a:t>
             </a:r>
-            <a:endParaRPr lang="zh-CN" altLang="en-US" dirty="0" smtClean="0"/>
           </a:p>
           <a:p>
             <a:pPr lvl="3"/>
@@ -2467,7 +2681,6 @@
               <a:rPr lang="zh-CN" altLang="en-US" dirty="0" smtClean="0"/>
               <a:t>第四级</a:t>
             </a:r>
-            <a:endParaRPr lang="zh-CN" altLang="en-US" dirty="0" smtClean="0"/>
           </a:p>
         </p:txBody>
       </p:sp>
@@ -2670,7 +2883,6 @@
               <a:rPr lang="zh-CN" altLang="en-US" dirty="0" smtClean="0"/>
               <a:t>单击此处编辑母版文本样式</a:t>
             </a:r>
-            <a:endParaRPr lang="zh-CN" altLang="en-US" dirty="0" smtClean="0"/>
           </a:p>
           <a:p>
             <a:pPr lvl="1"/>
@@ -2678,7 +2890,6 @@
               <a:rPr lang="zh-CN" altLang="en-US" dirty="0" smtClean="0"/>
               <a:t>第二级</a:t>
             </a:r>
-            <a:endParaRPr lang="zh-CN" altLang="en-US" dirty="0" smtClean="0"/>
           </a:p>
           <a:p>
             <a:pPr marL="1304925" lvl="2" indent="-395605" algn="l" rtl="0" eaLnBrk="0" fontAlgn="base" hangingPunct="0">
@@ -2701,7 +2912,6 @@
               <a:rPr lang="zh-CN" altLang="en-US" dirty="0" smtClean="0"/>
               <a:t>第三级</a:t>
             </a:r>
-            <a:endParaRPr lang="zh-CN" altLang="en-US" dirty="0" smtClean="0"/>
           </a:p>
           <a:p>
             <a:pPr lvl="3"/>
@@ -2709,7 +2919,6 @@
               <a:rPr lang="zh-CN" altLang="en-US" dirty="0" smtClean="0"/>
               <a:t>第四级</a:t>
             </a:r>
-            <a:endParaRPr lang="zh-CN" altLang="en-US" dirty="0" smtClean="0"/>
           </a:p>
         </p:txBody>
       </p:sp>
@@ -2910,7 +3119,6 @@
               <a:rPr lang="zh-CN" altLang="en-US" smtClean="0"/>
               <a:t>单击此处编辑母版文本样式</a:t>
             </a:r>
-            <a:endParaRPr lang="zh-CN" altLang="en-US" smtClean="0"/>
           </a:p>
         </p:txBody>
       </p:sp>
@@ -3014,6 +3222,7 @@
             </a:pPr>
             <a:fld id="{B62FBA93-7C77-4D32-BA8C-F7EFDB1910E6}" type="slidenum">
               <a:rPr lang="en-US" altLang="zh-CN"/>
+              <a:t>‹#›</a:t>
             </a:fld>
             <a:endParaRPr lang="en-US" altLang="zh-CN" dirty="0"/>
           </a:p>
@@ -3129,7 +3338,6 @@
               <a:rPr lang="zh-CN" altLang="en-US" dirty="0" smtClean="0"/>
               <a:t>单击此处编辑母版文本样式</a:t>
             </a:r>
-            <a:endParaRPr lang="zh-CN" altLang="en-US" dirty="0" smtClean="0"/>
           </a:p>
           <a:p>
             <a:pPr lvl="1"/>
@@ -3137,7 +3345,6 @@
               <a:rPr lang="zh-CN" altLang="en-US" dirty="0" smtClean="0"/>
               <a:t>第二级</a:t>
             </a:r>
-            <a:endParaRPr lang="zh-CN" altLang="en-US" dirty="0" smtClean="0"/>
           </a:p>
           <a:p>
             <a:pPr marL="1304925" lvl="2" indent="-395605" algn="l" rtl="0" eaLnBrk="0" fontAlgn="base" hangingPunct="0">
@@ -3160,7 +3367,6 @@
               <a:rPr lang="zh-CN" altLang="en-US" dirty="0" smtClean="0"/>
               <a:t>第三级</a:t>
             </a:r>
-            <a:endParaRPr lang="zh-CN" altLang="en-US" dirty="0" smtClean="0"/>
           </a:p>
           <a:p>
             <a:pPr lvl="3"/>
@@ -3168,7 +3374,6 @@
               <a:rPr lang="zh-CN" altLang="en-US" dirty="0" smtClean="0"/>
               <a:t>第四级</a:t>
             </a:r>
-            <a:endParaRPr lang="zh-CN" altLang="en-US" dirty="0" smtClean="0"/>
           </a:p>
         </p:txBody>
       </p:sp>
@@ -3231,7 +3436,6 @@
               <a:rPr lang="zh-CN" altLang="en-US" dirty="0" smtClean="0"/>
               <a:t>单击此处编辑母版文本样式</a:t>
             </a:r>
-            <a:endParaRPr lang="zh-CN" altLang="en-US" dirty="0" smtClean="0"/>
           </a:p>
           <a:p>
             <a:pPr lvl="1"/>
@@ -3239,7 +3443,6 @@
               <a:rPr lang="zh-CN" altLang="en-US" dirty="0" smtClean="0"/>
               <a:t>第二级</a:t>
             </a:r>
-            <a:endParaRPr lang="zh-CN" altLang="en-US" dirty="0" smtClean="0"/>
           </a:p>
           <a:p>
             <a:pPr marL="1304925" lvl="2" indent="-395605" algn="l" rtl="0" eaLnBrk="0" fontAlgn="base" hangingPunct="0">
@@ -3262,7 +3465,6 @@
               <a:rPr lang="zh-CN" altLang="en-US" dirty="0" smtClean="0"/>
               <a:t>第三级</a:t>
             </a:r>
-            <a:endParaRPr lang="zh-CN" altLang="en-US" dirty="0" smtClean="0"/>
           </a:p>
           <a:p>
             <a:pPr lvl="3"/>
@@ -3270,7 +3472,6 @@
               <a:rPr lang="zh-CN" altLang="en-US" dirty="0" smtClean="0"/>
               <a:t>第四级</a:t>
             </a:r>
-            <a:endParaRPr lang="zh-CN" altLang="en-US" dirty="0" smtClean="0"/>
           </a:p>
         </p:txBody>
       </p:sp>
@@ -3374,6 +3575,7 @@
             </a:pPr>
             <a:fld id="{85100CE9-0662-4089-B8E8-68467DB42791}" type="slidenum">
               <a:rPr lang="en-US" altLang="zh-CN"/>
+              <a:t>‹#›</a:t>
             </a:fld>
             <a:endParaRPr lang="en-US" altLang="zh-CN" dirty="0"/>
           </a:p>
@@ -3530,6 +3732,7 @@
             </a:pPr>
             <a:fld id="{15209603-DA32-4E08-B993-D56C85C4BB77}" type="slidenum">
               <a:rPr lang="en-US" altLang="zh-CN"/>
+              <a:t>‹#›</a:t>
             </a:fld>
             <a:endParaRPr lang="en-US" altLang="zh-CN" dirty="0"/>
           </a:p>
@@ -3691,6 +3894,7 @@
             </a:pPr>
             <a:fld id="{D69D5A50-F480-4E46-95E7-D0B4288BA79C}" type="slidenum">
               <a:rPr lang="en-US" altLang="zh-CN"/>
+              <a:t>‹#›</a:t>
             </a:fld>
             <a:endParaRPr lang="en-US" altLang="zh-CN" dirty="0"/>
           </a:p>
@@ -3783,7 +3987,6 @@
               <a:rPr lang="zh-CN" altLang="en-US" dirty="0" smtClean="0"/>
               <a:t>单击此处编辑母版标题样式</a:t>
             </a:r>
-            <a:endParaRPr lang="zh-CN" altLang="en-US" dirty="0" smtClean="0"/>
           </a:p>
         </p:txBody>
       </p:sp>
@@ -3838,7 +4041,6 @@
               <a:rPr lang="zh-CN" altLang="en-US" dirty="0" smtClean="0"/>
               <a:t>单击此处编辑母版文本样式</a:t>
             </a:r>
-            <a:endParaRPr lang="zh-CN" altLang="en-US" dirty="0" smtClean="0"/>
           </a:p>
           <a:p>
             <a:pPr lvl="1"/>
@@ -3846,7 +4048,6 @@
               <a:rPr lang="zh-CN" altLang="en-US" dirty="0" smtClean="0"/>
               <a:t>第二级</a:t>
             </a:r>
-            <a:endParaRPr lang="zh-CN" altLang="en-US" dirty="0" smtClean="0"/>
           </a:p>
           <a:p>
             <a:pPr marL="1304925" lvl="2" indent="-395605" algn="l" rtl="0" eaLnBrk="0" fontAlgn="base" hangingPunct="0">
@@ -3869,7 +4070,6 @@
               <a:rPr lang="zh-CN" altLang="en-US" dirty="0" smtClean="0"/>
               <a:t>第三级</a:t>
             </a:r>
-            <a:endParaRPr lang="zh-CN" altLang="en-US" dirty="0" smtClean="0"/>
           </a:p>
           <a:p>
             <a:pPr lvl="3"/>
@@ -3877,7 +4077,6 @@
               <a:rPr lang="zh-CN" altLang="en-US" dirty="0" smtClean="0"/>
               <a:t>第四级</a:t>
             </a:r>
-            <a:endParaRPr lang="zh-CN" altLang="en-US" dirty="0" smtClean="0"/>
           </a:p>
         </p:txBody>
       </p:sp>
@@ -4527,6 +4726,12 @@
               </a:rPr>
               <a:t>软件测试实用教程</a:t>
             </a:r>
+            <a:r>
+              <a:rPr lang="en-US" altLang="zh-CN" sz="6000" b="1" dirty="0">
+                <a:ea typeface="华文隶书" panose="02010800040101010101" pitchFamily="2" charset="-122"/>
+              </a:rPr>
+              <a:t/>
+            </a:r>
             <a:br>
               <a:rPr lang="en-US" altLang="zh-CN" sz="6000" b="1" dirty="0">
                 <a:ea typeface="华文隶书" panose="02010800040101010101" pitchFamily="2" charset="-122"/>
@@ -4544,9 +4749,6 @@
               </a:rPr>
               <a:t>方法与实践</a:t>
             </a:r>
-            <a:endParaRPr lang="zh-CN" altLang="en-US" sz="6000" b="1" dirty="0">
-              <a:ea typeface="华文隶书" panose="02010800040101010101" pitchFamily="2" charset="-122"/>
-            </a:endParaRPr>
           </a:p>
         </p:txBody>
       </p:sp>
@@ -4687,7 +4889,6 @@
               <a:rPr lang="zh-CN" altLang="en-US" dirty="0"/>
               <a:t>画出决策表</a:t>
             </a:r>
-            <a:endParaRPr lang="zh-CN" altLang="en-US" dirty="0"/>
           </a:p>
         </p:txBody>
       </p:sp>
@@ -4839,12 +5040,33 @@
                   </a:tcPr>
                 </a:tc>
                 <a:tc hMerge="1">
+                  <a:txBody>
+                    <a:bodyPr/>
+                    <a:lstStyle/>
+                    <a:p>
+                      <a:endParaRPr lang="zh-CN"/>
+                    </a:p>
+                  </a:txBody>
                   <a:tcPr/>
                 </a:tc>
                 <a:tc hMerge="1">
+                  <a:txBody>
+                    <a:bodyPr/>
+                    <a:lstStyle/>
+                    <a:p>
+                      <a:endParaRPr lang="zh-CN"/>
+                    </a:p>
+                  </a:txBody>
                   <a:tcPr/>
                 </a:tc>
                 <a:tc hMerge="1">
+                  <a:txBody>
+                    <a:bodyPr/>
+                    <a:lstStyle/>
+                    <a:p>
+                      <a:endParaRPr lang="zh-CN"/>
+                    </a:p>
+                  </a:txBody>
                   <a:tcPr/>
                 </a:tc>
               </a:tr>
@@ -5326,10 +5548,6 @@
                         </a:rPr>
                         <a:t>1</a:t>
                       </a:r>
-                      <a:endParaRPr lang="en-US" altLang="zh-CN" sz="2800" b="1" baseline="0" dirty="0">
-                        <a:latin typeface="Times New Roman" panose="02020603050405020304" pitchFamily="18" charset="0"/>
-                        <a:ea typeface="楷体" panose="02010609060101010101" pitchFamily="49" charset="-122"/>
-                      </a:endParaRPr>
                     </a:p>
                   </a:txBody>
                   <a:tcPr>
@@ -5481,15 +5699,43 @@
                   </a:tcPr>
                 </a:tc>
                 <a:tc hMerge="1">
+                  <a:txBody>
+                    <a:bodyPr/>
+                    <a:lstStyle/>
+                    <a:p>
+                      <a:endParaRPr lang="zh-CN"/>
+                    </a:p>
+                  </a:txBody>
                   <a:tcPr/>
                 </a:tc>
                 <a:tc hMerge="1">
+                  <a:txBody>
+                    <a:bodyPr/>
+                    <a:lstStyle/>
+                    <a:p>
+                      <a:endParaRPr lang="zh-CN"/>
+                    </a:p>
+                  </a:txBody>
                   <a:tcPr/>
                 </a:tc>
                 <a:tc hMerge="1">
+                  <a:txBody>
+                    <a:bodyPr/>
+                    <a:lstStyle/>
+                    <a:p>
+                      <a:endParaRPr lang="zh-CN"/>
+                    </a:p>
+                  </a:txBody>
                   <a:tcPr/>
                 </a:tc>
                 <a:tc hMerge="1">
+                  <a:txBody>
+                    <a:bodyPr/>
+                    <a:lstStyle/>
+                    <a:p>
+                      <a:endParaRPr lang="zh-CN"/>
+                    </a:p>
+                  </a:txBody>
                   <a:tcPr/>
                 </a:tc>
               </a:tr>
@@ -6429,7 +6675,6 @@
               <a:rPr lang="zh-CN" altLang="en-US" dirty="0" smtClean="0"/>
               <a:t>输入相似：仅有一个输入条件的值可以不相同</a:t>
             </a:r>
-            <a:endParaRPr lang="zh-CN" altLang="en-US" dirty="0" smtClean="0"/>
           </a:p>
           <a:p>
             <a:endParaRPr lang="zh-CN" altLang="en-US" dirty="0"/>
@@ -6640,6 +6885,13 @@
                   </a:tcPr>
                 </a:tc>
                 <a:tc hMerge="1">
+                  <a:txBody>
+                    <a:bodyPr/>
+                    <a:lstStyle/>
+                    <a:p>
+                      <a:endParaRPr lang="zh-CN"/>
+                    </a:p>
+                  </a:txBody>
                   <a:tcPr>
                     <a:lnL w="12700" cap="flat" cmpd="sng" algn="ctr">
                       <a:solidFill>
@@ -6680,6 +6932,13 @@
                   </a:tcPr>
                 </a:tc>
                 <a:tc hMerge="1">
+                  <a:txBody>
+                    <a:bodyPr/>
+                    <a:lstStyle/>
+                    <a:p>
+                      <a:endParaRPr lang="zh-CN"/>
+                    </a:p>
+                  </a:txBody>
                   <a:tcPr>
                     <a:lnL w="12700" cap="flat" cmpd="sng" algn="ctr">
                       <a:solidFill>
@@ -7290,12 +7549,33 @@
                   </a:tcPr>
                 </a:tc>
                 <a:tc hMerge="1">
+                  <a:txBody>
+                    <a:bodyPr/>
+                    <a:lstStyle/>
+                    <a:p>
+                      <a:endParaRPr lang="zh-CN"/>
+                    </a:p>
+                  </a:txBody>
                   <a:tcPr/>
                 </a:tc>
                 <a:tc hMerge="1">
+                  <a:txBody>
+                    <a:bodyPr/>
+                    <a:lstStyle/>
+                    <a:p>
+                      <a:endParaRPr lang="zh-CN"/>
+                    </a:p>
+                  </a:txBody>
                   <a:tcPr/>
                 </a:tc>
                 <a:tc hMerge="1">
+                  <a:txBody>
+                    <a:bodyPr/>
+                    <a:lstStyle/>
+                    <a:p>
+                      <a:endParaRPr lang="zh-CN"/>
+                    </a:p>
+                  </a:txBody>
                   <a:tcPr/>
                 </a:tc>
               </a:tr>
@@ -8303,7 +8583,7 @@
         </p:nvGraphicFramePr>
         <p:xfrm>
           <a:off x="1127448" y="1124744"/>
-          <a:ext cx="10369152" cy="4680400"/>
+          <a:ext cx="10369152" cy="5107120"/>
         </p:xfrm>
         <a:graphic>
           <a:graphicData uri="http://schemas.openxmlformats.org/drawingml/2006/table">
@@ -8596,17 +8876,9 @@
                         </a:rPr>
                         <a:t>1</a:t>
                       </a:r>
-                      <a:endParaRPr lang="en-US" altLang="zh-CN" sz="2800" b="1" kern="1200" dirty="0">
-                        <a:solidFill>
-                          <a:schemeClr val="tx1"/>
-                        </a:solidFill>
-                        <a:latin typeface="楷体" panose="02010609060101010101" pitchFamily="49" charset="-122"/>
-                        <a:ea typeface="楷体" panose="02010609060101010101" pitchFamily="49" charset="-122"/>
-                        <a:cs typeface="+mn-cs"/>
-                      </a:endParaRPr>
                     </a:p>
                   </a:txBody>
-                  <a:tcPr anchor="ctr" anchorCtr="0">
+                  <a:tcPr anchor="ctr">
                     <a:lnL w="12700" cap="flat" cmpd="sng" algn="ctr">
                       <a:solidFill>
                         <a:schemeClr val="tx1"/>
@@ -8936,17 +9208,9 @@
                         </a:rPr>
                         <a:t>2</a:t>
                       </a:r>
-                      <a:endParaRPr lang="en-US" altLang="zh-CN" sz="2800" b="1" kern="1200" dirty="0">
-                        <a:solidFill>
-                          <a:schemeClr val="tx1"/>
-                        </a:solidFill>
-                        <a:latin typeface="楷体" panose="02010609060101010101" pitchFamily="49" charset="-122"/>
-                        <a:ea typeface="楷体" panose="02010609060101010101" pitchFamily="49" charset="-122"/>
-                        <a:cs typeface="+mn-cs"/>
-                      </a:endParaRPr>
                     </a:p>
                   </a:txBody>
-                  <a:tcPr anchor="ctr" anchorCtr="0">
+                  <a:tcPr anchor="ctr">
                     <a:lnL w="12700" cap="flat" cmpd="sng" algn="ctr">
                       <a:solidFill>
                         <a:schemeClr val="tx1"/>
@@ -9257,17 +9521,9 @@
                         </a:rPr>
                         <a:t>3</a:t>
                       </a:r>
-                      <a:endParaRPr lang="en-US" altLang="zh-CN" sz="2800" b="1" kern="1200" dirty="0">
-                        <a:solidFill>
-                          <a:schemeClr val="tx1"/>
-                        </a:solidFill>
-                        <a:latin typeface="楷体" panose="02010609060101010101" pitchFamily="49" charset="-122"/>
-                        <a:ea typeface="楷体" panose="02010609060101010101" pitchFamily="49" charset="-122"/>
-                        <a:cs typeface="+mn-cs"/>
-                      </a:endParaRPr>
                     </a:p>
                   </a:txBody>
-                  <a:tcPr anchor="ctr" anchorCtr="0">
+                  <a:tcPr anchor="ctr">
                     <a:lnL w="12700" cap="flat" cmpd="sng" algn="ctr">
                       <a:solidFill>
                         <a:schemeClr val="tx1"/>
@@ -9321,18 +9577,7 @@
                           <a:ea typeface="楷体" panose="02010609060101010101" pitchFamily="49" charset="-122"/>
                           <a:cs typeface="+mn-cs"/>
                         </a:rPr>
-                        <a:t>任意金额，未</a:t>
-                      </a:r>
-                      <a:r>
-                        <a:rPr lang="zh-CN" altLang="en-US" sz="2800" b="1" kern="1200" dirty="0" smtClean="0">
-                          <a:solidFill>
-                            <a:schemeClr val="tx1"/>
-                          </a:solidFill>
-                          <a:latin typeface="楷体" panose="02010609060101010101" pitchFamily="49" charset="-122"/>
-                          <a:ea typeface="楷体" panose="02010609060101010101" pitchFamily="49" charset="-122"/>
-                          <a:cs typeface="+mn-cs"/>
-                        </a:rPr>
-                        <a:t>过期</a:t>
+                        <a:t>任意金额，未过期</a:t>
                       </a:r>
                       <a:endParaRPr lang="zh-CN" altLang="en-US" sz="2800" b="1" kern="1200" dirty="0">
                         <a:solidFill>
@@ -9412,25 +9657,8 @@
                           <a:latin typeface="楷体" panose="02010609060101010101" pitchFamily="49" charset="-122"/>
                           <a:ea typeface="楷体" panose="02010609060101010101" pitchFamily="49" charset="-122"/>
                         </a:rPr>
-                        <a:t>输入订单金额任意，订购单未</a:t>
+                        <a:t>输入订单金额任意，订购单未过期的订单</a:t>
                       </a:r>
-                      <a:r>
-                        <a:rPr lang="zh-CN" altLang="en-US" sz="2800" b="1" dirty="0" smtClean="0">
-                          <a:solidFill>
-                            <a:schemeClr val="tx1"/>
-                          </a:solidFill>
-                          <a:latin typeface="楷体" panose="02010609060101010101" pitchFamily="49" charset="-122"/>
-                          <a:ea typeface="楷体" panose="02010609060101010101" pitchFamily="49" charset="-122"/>
-                        </a:rPr>
-                        <a:t>过期的订单</a:t>
-                      </a:r>
-                      <a:endParaRPr lang="zh-CN" altLang="en-US" sz="2800" b="1" dirty="0" smtClean="0">
-                        <a:solidFill>
-                          <a:schemeClr val="tx1"/>
-                        </a:solidFill>
-                        <a:latin typeface="楷体" panose="02010609060101010101" pitchFamily="49" charset="-122"/>
-                        <a:ea typeface="楷体" panose="02010609060101010101" pitchFamily="49" charset="-122"/>
-                      </a:endParaRPr>
                     </a:p>
                     <a:p>
                       <a:pPr marL="0" algn="l" defTabSz="914400" rtl="0" eaLnBrk="1" latinLnBrk="0" hangingPunct="1"/>
@@ -10532,12 +10760,12 @@
               <a:buChar char="l"/>
             </a:pPr>
             <a:r>
-              <a:rPr lang="zh-CN" altLang="en-US" sz="2225" b="1" dirty="0">
+              <a:rPr lang="zh-CN" altLang="en-US" b="1" dirty="0">
                 <a:latin typeface="+mn-ea"/>
               </a:rPr>
               <a:t>规格说明书以决策表的形式给出，或很容易转化成决策表</a:t>
             </a:r>
-            <a:endParaRPr lang="en-US" altLang="zh-CN" sz="2225" b="1" dirty="0">
+            <a:endParaRPr lang="en-US" altLang="zh-CN" b="1" dirty="0">
               <a:latin typeface="+mn-ea"/>
             </a:endParaRPr>
           </a:p>
@@ -10547,24 +10775,24 @@
               <a:buChar char="l"/>
             </a:pPr>
             <a:r>
-              <a:rPr lang="zh-CN" altLang="en-US" sz="2225" b="1" dirty="0">
+              <a:rPr lang="zh-CN" altLang="en-US" b="1" dirty="0">
                 <a:latin typeface="+mn-ea"/>
               </a:rPr>
               <a:t>条件的排列顺序</a:t>
             </a:r>
             <a:r>
-              <a:rPr lang="zh-CN" altLang="en-US" sz="2225" b="1" dirty="0" smtClean="0">
+              <a:rPr lang="zh-CN" altLang="en-US" b="1" dirty="0" smtClean="0">
                 <a:latin typeface="+mn-ea"/>
               </a:rPr>
               <a:t>不会影响</a:t>
             </a:r>
             <a:r>
-              <a:rPr lang="zh-CN" altLang="en-US" sz="2225" b="1" dirty="0">
+              <a:rPr lang="zh-CN" altLang="en-US" b="1" dirty="0">
                 <a:latin typeface="+mn-ea"/>
               </a:rPr>
               <a:t>执行哪些操作</a:t>
             </a:r>
-            <a:endParaRPr lang="en-US" altLang="zh-CN" sz="2225" b="1" dirty="0">
+            <a:endParaRPr lang="en-US" altLang="zh-CN" b="1" dirty="0">
               <a:latin typeface="+mn-ea"/>
             </a:endParaRPr>
           </a:p>
@@ -10574,24 +10802,24 @@
               <a:buChar char="l"/>
             </a:pPr>
             <a:r>
-              <a:rPr lang="zh-CN" altLang="en-US" sz="2225" b="1" dirty="0">
+              <a:rPr lang="zh-CN" altLang="en-US" b="1" dirty="0">
                 <a:latin typeface="+mn-ea"/>
               </a:rPr>
               <a:t>规则的排列顺序</a:t>
             </a:r>
             <a:r>
-              <a:rPr lang="zh-CN" altLang="en-US" sz="2225" b="1" dirty="0" smtClean="0">
+              <a:rPr lang="zh-CN" altLang="en-US" b="1" dirty="0" smtClean="0">
                 <a:latin typeface="+mn-ea"/>
               </a:rPr>
               <a:t>不会影响</a:t>
             </a:r>
             <a:r>
-              <a:rPr lang="zh-CN" altLang="en-US" sz="2225" b="1" dirty="0">
+              <a:rPr lang="zh-CN" altLang="en-US" b="1" dirty="0">
                 <a:latin typeface="+mn-ea"/>
               </a:rPr>
               <a:t>执行哪些操作</a:t>
             </a:r>
-            <a:endParaRPr lang="en-US" altLang="zh-CN" sz="2225" b="1" dirty="0">
+            <a:endParaRPr lang="en-US" altLang="zh-CN" b="1" dirty="0">
               <a:latin typeface="+mn-ea"/>
             </a:endParaRPr>
           </a:p>
@@ -10601,24 +10829,24 @@
               <a:buChar char="l"/>
             </a:pPr>
             <a:r>
-              <a:rPr lang="zh-CN" altLang="en-US" sz="2225" b="1" dirty="0">
+              <a:rPr lang="zh-CN" altLang="en-US" b="1" dirty="0">
                 <a:latin typeface="+mn-ea"/>
               </a:rPr>
               <a:t>当某规则的条件已经满足，并确定要执行的操作后，不必检验</a:t>
             </a:r>
             <a:r>
-              <a:rPr lang="zh-CN" altLang="en-US" sz="2225" b="1" dirty="0" smtClean="0">
+              <a:rPr lang="zh-CN" altLang="en-US" b="1" dirty="0" smtClean="0">
                 <a:latin typeface="+mn-ea"/>
               </a:rPr>
               <a:t>别的</a:t>
             </a:r>
             <a:r>
-              <a:rPr lang="zh-CN" altLang="en-US" sz="2225" b="1" dirty="0">
+              <a:rPr lang="zh-CN" altLang="en-US" b="1" dirty="0">
                 <a:latin typeface="+mn-ea"/>
               </a:rPr>
               <a:t>规则</a:t>
             </a:r>
-            <a:endParaRPr lang="en-US" altLang="zh-CN" sz="2225" b="1" dirty="0">
+            <a:endParaRPr lang="en-US" altLang="zh-CN" b="1" dirty="0">
               <a:latin typeface="+mn-ea"/>
             </a:endParaRPr>
           </a:p>
@@ -10628,47 +10856,14 @@
               <a:buChar char="l"/>
             </a:pPr>
             <a:r>
-              <a:rPr lang="zh-CN" altLang="en-US" sz="2225" b="1" dirty="0">
+              <a:rPr lang="zh-CN" altLang="en-US" b="1" dirty="0">
                 <a:latin typeface="+mn-ea"/>
               </a:rPr>
               <a:t>如果某一规则要执行多个操作，这些操作的执行顺序无关紧要</a:t>
             </a:r>
-            <a:endParaRPr lang="zh-CN" altLang="en-US" sz="2225" b="1" dirty="0">
-              <a:latin typeface="+mn-ea"/>
-            </a:endParaRPr>
-          </a:p>
-          <a:p>
-            <a:endParaRPr lang="zh-CN" altLang="en-US" dirty="0"/>
-          </a:p>
-        </p:txBody>
-      </p:sp>
-      <p:sp>
-        <p:nvSpPr>
-          <p:cNvPr id="4" name="灯片编号占位符 3"/>
-          <p:cNvSpPr>
-            <a:spLocks noGrp="1"/>
-          </p:cNvSpPr>
-          <p:nvPr>
-            <p:ph type="sldNum" sz="quarter" idx="4294967295"/>
-          </p:nvPr>
-        </p:nvSpPr>
-        <p:spPr>
-          <a:xfrm>
-            <a:off x="10210800" y="6245225"/>
-            <a:ext cx="1981200" cy="476250"/>
-          </a:xfrm>
-        </p:spPr>
-        <p:txBody>
-          <a:bodyPr/>
-          <a:lstStyle/>
-          <a:p>
-            <a:pPr>
-              <a:defRPr/>
-            </a:pPr>
-            <a:fld id="{5ABF56A4-D1A6-4E9C-871E-2D1E17A0ACE1}" type="slidenum">
-              <a:rPr lang="en-US" altLang="zh-CN" smtClean="0"/>
-            </a:fld>
-            <a:endParaRPr lang="en-US" altLang="zh-CN"/>
+          </a:p>
+          <a:p>
+            <a:endParaRPr lang="zh-CN" altLang="en-US" sz="2600" dirty="0"/>
           </a:p>
         </p:txBody>
       </p:sp>
@@ -10886,6 +11081,13 @@
               </a:tr>
               <a:tr h="653475">
                 <a:tc vMerge="1">
+                  <a:txBody>
+                    <a:bodyPr/>
+                    <a:lstStyle/>
+                    <a:p>
+                      <a:endParaRPr lang="zh-CN"/>
+                    </a:p>
+                  </a:txBody>
                   <a:tcPr/>
                 </a:tc>
                 <a:tc>
@@ -10951,6 +11153,13 @@
               </a:tr>
               <a:tr h="653475">
                 <a:tc vMerge="1">
+                  <a:txBody>
+                    <a:bodyPr/>
+                    <a:lstStyle/>
+                    <a:p>
+                      <a:endParaRPr lang="zh-CN"/>
+                    </a:p>
+                  </a:txBody>
                   <a:tcPr/>
                 </a:tc>
                 <a:tc>
@@ -11165,6 +11374,13 @@
               </a:tr>
               <a:tr h="653475">
                 <a:tc vMerge="1">
+                  <a:txBody>
+                    <a:bodyPr/>
+                    <a:lstStyle/>
+                    <a:p>
+                      <a:endParaRPr lang="zh-CN"/>
+                    </a:p>
+                  </a:txBody>
                   <a:tcPr/>
                 </a:tc>
                 <a:tc>
@@ -11640,10 +11856,6 @@
               </a:rPr>
               <a:t>分析：</a:t>
             </a:r>
-            <a:endParaRPr lang="zh-CN" altLang="en-US" sz="2800" kern="0" dirty="0" smtClean="0">
-              <a:latin typeface="楷体" panose="02010609060101010101" pitchFamily="49" charset="-122"/>
-              <a:ea typeface="楷体" panose="02010609060101010101" pitchFamily="49" charset="-122"/>
-            </a:endParaRPr>
           </a:p>
           <a:p>
             <a:pPr lvl="1">
@@ -11682,13 +11894,13 @@
   <p:clrMapOvr>
     <a:masterClrMapping/>
   </p:clrMapOvr>
-  <mc:AlternateContent xmlns:mc="http://schemas.openxmlformats.org/markup-compatibility/2006">
-    <mc:Choice xmlns:p14="http://schemas.microsoft.com/office/powerpoint/2010/main" Requires="p14">
+  <mc:AlternateContent xmlns:mc="http://schemas.openxmlformats.org/markup-compatibility/2006" xmlns:p14="http://schemas.microsoft.com/office/powerpoint/2010/main">
+    <mc:Choice Requires="p14">
       <p:transition spd="slow" p14:dur="1300">
         <p14:pan/>
       </p:transition>
     </mc:Choice>
-    <mc:Fallback>
+    <mc:Fallback xmlns="">
       <p:transition spd="slow">
         <p:fade/>
       </p:transition>
@@ -11909,6 +12121,13 @@
                   </a:tcPr>
                 </a:tc>
                 <a:tc hMerge="1">
+                  <a:txBody>
+                    <a:bodyPr/>
+                    <a:lstStyle/>
+                    <a:p>
+                      <a:endParaRPr lang="zh-CN"/>
+                    </a:p>
+                  </a:txBody>
                   <a:tcPr/>
                 </a:tc>
                 <a:tc>
@@ -12763,6 +12982,13 @@
               </a:tr>
               <a:tr h="627249">
                 <a:tc vMerge="1">
+                  <a:txBody>
+                    <a:bodyPr/>
+                    <a:lstStyle/>
+                    <a:p>
+                      <a:endParaRPr lang="zh-CN"/>
+                    </a:p>
+                  </a:txBody>
                   <a:tcPr/>
                 </a:tc>
                 <a:tc>
@@ -13148,6 +13374,13 @@
               </a:tr>
               <a:tr h="627249">
                 <a:tc vMerge="1">
+                  <a:txBody>
+                    <a:bodyPr/>
+                    <a:lstStyle/>
+                    <a:p>
+                      <a:endParaRPr lang="zh-CN"/>
+                    </a:p>
+                  </a:txBody>
                   <a:tcPr/>
                 </a:tc>
                 <a:tc>
@@ -14013,6 +14246,13 @@
               </a:tr>
               <a:tr h="627249">
                 <a:tc vMerge="1">
+                  <a:txBody>
+                    <a:bodyPr/>
+                    <a:lstStyle/>
+                    <a:p>
+                      <a:endParaRPr lang="zh-CN"/>
+                    </a:p>
+                  </a:txBody>
                   <a:tcPr/>
                 </a:tc>
                 <a:tc>
@@ -14410,43 +14650,16 @@
             <p:ph type="title"/>
           </p:nvPr>
         </p:nvSpPr>
-        <p:spPr>
-          <a:xfrm>
-            <a:off x="695400" y="0"/>
-            <a:ext cx="10668000" cy="828130"/>
-          </a:xfrm>
-        </p:spPr>
+        <p:spPr/>
         <p:txBody>
           <a:bodyPr/>
           <a:lstStyle/>
           <a:p>
             <a:r>
-              <a:rPr lang="zh-CN" altLang="en-US" dirty="0">
-                <a:solidFill>
-                  <a:schemeClr val="tx1"/>
-                </a:solidFill>
-                <a:latin typeface="+mj-ea"/>
-                <a:ea typeface="+mj-ea"/>
-              </a:rPr>
-              <a:t>实例一：</a:t>
-            </a:r>
-            <a:r>
-              <a:rPr lang="zh-CN" altLang="en-US" dirty="0" smtClean="0">
-                <a:solidFill>
-                  <a:schemeClr val="tx1"/>
-                </a:solidFill>
-                <a:latin typeface="+mj-ea"/>
-                <a:ea typeface="+mj-ea"/>
-              </a:rPr>
-              <a:t>解析</a:t>
-            </a:r>
-            <a:endParaRPr lang="zh-CN" altLang="en-US" dirty="0">
-              <a:solidFill>
-                <a:schemeClr val="tx1"/>
-              </a:solidFill>
-              <a:latin typeface="+mj-ea"/>
-              <a:ea typeface="+mj-ea"/>
-            </a:endParaRPr>
+              <a:rPr lang="zh-CN" altLang="en-US" smtClean="0"/>
+              <a:t>实例一：解析</a:t>
+            </a:r>
+            <a:endParaRPr lang="zh-CN" altLang="en-US" dirty="0"/>
           </a:p>
         </p:txBody>
       </p:sp>
@@ -14462,7 +14675,7 @@
         </p:nvSpPr>
         <p:spPr>
           <a:xfrm>
-            <a:off x="479376" y="1124744"/>
+            <a:off x="695400" y="980728"/>
             <a:ext cx="10668000" cy="4267200"/>
           </a:xfrm>
         </p:spPr>
@@ -14470,27 +14683,12 @@
           <a:bodyPr/>
           <a:lstStyle/>
           <a:p>
-            <a:pPr marL="0" indent="0">
-              <a:buNone/>
-            </a:pPr>
-            <a:r>
-              <a:rPr lang="en-US" altLang="zh-CN" dirty="0">
-                <a:solidFill>
-                  <a:srgbClr val="5F5E5C"/>
-                </a:solidFill>
-                <a:latin typeface="楷体" panose="02010609060101010101" pitchFamily="49" charset="-122"/>
-                <a:ea typeface="楷体" panose="02010609060101010101" pitchFamily="49" charset="-122"/>
-              </a:rPr>
+            <a:r>
+              <a:rPr lang="en-US" altLang="zh-CN" dirty="0" smtClean="0"/>
               <a:t>2</a:t>
             </a:r>
             <a:r>
-              <a:rPr lang="zh-CN" altLang="en-US" dirty="0">
-                <a:solidFill>
-                  <a:srgbClr val="5F5E5C"/>
-                </a:solidFill>
-                <a:latin typeface="楷体" panose="02010609060101010101" pitchFamily="49" charset="-122"/>
-                <a:ea typeface="楷体" panose="02010609060101010101" pitchFamily="49" charset="-122"/>
-              </a:rPr>
+              <a:rPr lang="zh-CN" altLang="en-US" dirty="0" smtClean="0"/>
               <a:t>）列出决策表</a:t>
             </a:r>
             <a:endParaRPr lang="zh-CN" altLang="en-US" dirty="0"/>
@@ -14670,10 +14868,16 @@
           <p:cNvGraphicFramePr>
             <a:graphicFrameLocks noGrp="1"/>
           </p:cNvGraphicFramePr>
-          <p:nvPr/>
+          <p:nvPr>
+            <p:extLst>
+              <p:ext uri="{D42A27DB-BD31-4B8C-83A1-F6EECF244321}">
+                <p14:modId xmlns:p14="http://schemas.microsoft.com/office/powerpoint/2010/main" val="3427286612"/>
+              </p:ext>
+            </p:extLst>
+          </p:nvPr>
         </p:nvGraphicFramePr>
         <p:xfrm>
-          <a:off x="444137" y="1978926"/>
+          <a:off x="407368" y="1700808"/>
           <a:ext cx="11325497" cy="3951611"/>
         </p:xfrm>
         <a:graphic>
@@ -14739,6 +14943,13 @@
                   </a:tcPr>
                 </a:tc>
                 <a:tc hMerge="1">
+                  <a:txBody>
+                    <a:bodyPr/>
+                    <a:lstStyle/>
+                    <a:p>
+                      <a:endParaRPr lang="zh-CN"/>
+                    </a:p>
+                  </a:txBody>
                   <a:tcPr/>
                 </a:tc>
                 <a:tc>
@@ -15322,6 +15533,13 @@
               </a:tr>
               <a:tr h="640267">
                 <a:tc vMerge="1">
+                  <a:txBody>
+                    <a:bodyPr/>
+                    <a:lstStyle/>
+                    <a:p>
+                      <a:endParaRPr lang="zh-CN"/>
+                    </a:p>
+                  </a:txBody>
                   <a:tcPr/>
                 </a:tc>
                 <a:tc>
@@ -15583,6 +15801,13 @@
               </a:tr>
               <a:tr h="640267">
                 <a:tc vMerge="1">
+                  <a:txBody>
+                    <a:bodyPr/>
+                    <a:lstStyle/>
+                    <a:p>
+                      <a:endParaRPr lang="zh-CN"/>
+                    </a:p>
+                  </a:txBody>
                   <a:tcPr/>
                 </a:tc>
                 <a:tc>
@@ -16192,6 +16417,13 @@
               </a:tr>
               <a:tr h="640267">
                 <a:tc vMerge="1">
+                  <a:txBody>
+                    <a:bodyPr/>
+                    <a:lstStyle/>
+                    <a:p>
+                      <a:endParaRPr lang="zh-CN"/>
+                    </a:p>
+                  </a:txBody>
                   <a:tcPr/>
                 </a:tc>
                 <a:tc>
@@ -16463,7 +16695,7 @@
         </p:nvSpPr>
         <p:spPr>
           <a:xfrm>
-            <a:off x="263352" y="6093296"/>
+            <a:off x="335360" y="5589240"/>
             <a:ext cx="10723606" cy="523220"/>
           </a:xfrm>
           <a:prstGeom prst="rect">
@@ -16565,7 +16797,7 @@
         </p:nvSpPr>
         <p:spPr>
           <a:xfrm>
-            <a:off x="479376" y="1340768"/>
+            <a:off x="551384" y="1052736"/>
             <a:ext cx="10668000" cy="4267200"/>
           </a:xfrm>
         </p:spPr>
@@ -16633,7 +16865,7 @@
 </file>
 
 <file path=ppt/slides/slide19.xml><?xml version="1.0" encoding="utf-8"?>
-<p:sld xmlns:a="http://schemas.openxmlformats.org/drawingml/2006/main" xmlns:r="http://schemas.openxmlformats.org/officeDocument/2006/relationships" xmlns:p="http://schemas.openxmlformats.org/presentationml/2006/main" show="0">
+<p:sld xmlns:a="http://schemas.openxmlformats.org/drawingml/2006/main" xmlns:r="http://schemas.openxmlformats.org/officeDocument/2006/relationships" xmlns:p="http://schemas.openxmlformats.org/presentationml/2006/main">
   <p:cSld>
     <p:spTree>
       <p:nvGrpSpPr>
@@ -16716,7 +16948,7 @@
           <p:nvPr/>
         </p:nvPicPr>
         <p:blipFill>
-          <a:blip r:embed="rId1">
+          <a:blip r:embed="rId3">
             <a:extLst>
               <a:ext uri="{28A0092B-C50C-407E-A947-70E740481C1C}">
                 <a14:useLocalDpi xmlns:a14="http://schemas.microsoft.com/office/drawing/2010/main" val="0"/>
@@ -17455,7 +17687,7 @@
 </file>
 
 <file path=ppt/slides/slide20.xml><?xml version="1.0" encoding="utf-8"?>
-<p:sld xmlns:a="http://schemas.openxmlformats.org/drawingml/2006/main" xmlns:r="http://schemas.openxmlformats.org/officeDocument/2006/relationships" xmlns:p="http://schemas.openxmlformats.org/presentationml/2006/main" show="0">
+<p:sld xmlns:a="http://schemas.openxmlformats.org/drawingml/2006/main" xmlns:r="http://schemas.openxmlformats.org/officeDocument/2006/relationships" xmlns:p="http://schemas.openxmlformats.org/presentationml/2006/main">
   <p:cSld>
     <p:spTree>
       <p:nvGrpSpPr>
@@ -17518,7 +17750,7 @@
           <p:nvPr/>
         </p:nvPicPr>
         <p:blipFill>
-          <a:blip r:embed="rId1">
+          <a:blip r:embed="rId2">
             <a:extLst>
               <a:ext uri="{28A0092B-C50C-407E-A947-70E740481C1C}">
                 <a14:useLocalDpi xmlns:a14="http://schemas.microsoft.com/office/drawing/2010/main" val="0"/>
@@ -17582,7 +17814,7 @@
 </file>
 
 <file path=ppt/slides/slide21.xml><?xml version="1.0" encoding="utf-8"?>
-<p:sld xmlns:a="http://schemas.openxmlformats.org/drawingml/2006/main" xmlns:r="http://schemas.openxmlformats.org/officeDocument/2006/relationships" xmlns:p="http://schemas.openxmlformats.org/presentationml/2006/main" show="0">
+<p:sld xmlns:a="http://schemas.openxmlformats.org/drawingml/2006/main" xmlns:r="http://schemas.openxmlformats.org/officeDocument/2006/relationships" xmlns:p="http://schemas.openxmlformats.org/presentationml/2006/main">
   <p:cSld>
     <p:spTree>
       <p:nvGrpSpPr>
@@ -17617,7 +17849,6 @@
               <a:rPr lang="zh-CN" altLang="en-US" dirty="0" smtClean="0"/>
               <a:t>基于决策表的测试</a:t>
             </a:r>
-            <a:endParaRPr lang="zh-CN" altLang="en-US" dirty="0" smtClean="0"/>
           </a:p>
         </p:txBody>
       </p:sp>
@@ -17653,7 +17884,7 @@
           <p:nvPr/>
         </p:nvPicPr>
         <p:blipFill>
-          <a:blip r:embed="rId1">
+          <a:blip r:embed="rId3">
             <a:extLst>
               <a:ext uri="{28A0092B-C50C-407E-A947-70E740481C1C}">
                 <a14:useLocalDpi xmlns:a14="http://schemas.microsoft.com/office/drawing/2010/main" val="0"/>
@@ -17715,7 +17946,7 @@
 </file>
 
 <file path=ppt/slides/slide22.xml><?xml version="1.0" encoding="utf-8"?>
-<p:sld xmlns:a="http://schemas.openxmlformats.org/drawingml/2006/main" xmlns:r="http://schemas.openxmlformats.org/officeDocument/2006/relationships" xmlns:p="http://schemas.openxmlformats.org/presentationml/2006/main" show="0">
+<p:sld xmlns:a="http://schemas.openxmlformats.org/drawingml/2006/main" xmlns:r="http://schemas.openxmlformats.org/officeDocument/2006/relationships" xmlns:p="http://schemas.openxmlformats.org/presentationml/2006/main">
   <p:cSld>
     <p:spTree>
       <p:nvGrpSpPr>
@@ -17750,7 +17981,6 @@
               <a:rPr lang="zh-CN" altLang="en-US" dirty="0" smtClean="0"/>
               <a:t>基于决策表的测试</a:t>
             </a:r>
-            <a:endParaRPr lang="zh-CN" altLang="en-US" dirty="0" smtClean="0"/>
           </a:p>
         </p:txBody>
       </p:sp>
@@ -17786,7 +18016,7 @@
           <p:nvPr/>
         </p:nvPicPr>
         <p:blipFill>
-          <a:blip r:embed="rId1">
+          <a:blip r:embed="rId3">
             <a:extLst>
               <a:ext uri="{28A0092B-C50C-407E-A947-70E740481C1C}">
                 <a14:useLocalDpi xmlns:a14="http://schemas.microsoft.com/office/drawing/2010/main" val="0"/>
@@ -17848,7 +18078,7 @@
 </file>
 
 <file path=ppt/slides/slide23.xml><?xml version="1.0" encoding="utf-8"?>
-<p:sld xmlns:a="http://schemas.openxmlformats.org/drawingml/2006/main" xmlns:r="http://schemas.openxmlformats.org/officeDocument/2006/relationships" xmlns:p="http://schemas.openxmlformats.org/presentationml/2006/main" show="0">
+<p:sld xmlns:a="http://schemas.openxmlformats.org/drawingml/2006/main" xmlns:r="http://schemas.openxmlformats.org/officeDocument/2006/relationships" xmlns:p="http://schemas.openxmlformats.org/presentationml/2006/main">
   <p:cSld>
     <p:spTree>
       <p:nvGrpSpPr>
@@ -17883,7 +18113,6 @@
               <a:rPr lang="zh-CN" altLang="en-US" dirty="0" smtClean="0"/>
               <a:t>基于决策表的测试</a:t>
             </a:r>
-            <a:endParaRPr lang="zh-CN" altLang="en-US" dirty="0" smtClean="0"/>
           </a:p>
         </p:txBody>
       </p:sp>
@@ -17919,7 +18148,7 @@
           <p:nvPr/>
         </p:nvPicPr>
         <p:blipFill>
-          <a:blip r:embed="rId1">
+          <a:blip r:embed="rId2">
             <a:extLst>
               <a:ext uri="{28A0092B-C50C-407E-A947-70E740481C1C}">
                 <a14:useLocalDpi xmlns:a14="http://schemas.microsoft.com/office/drawing/2010/main" val="0"/>
@@ -17981,7 +18210,7 @@
 </file>
 
 <file path=ppt/slides/slide24.xml><?xml version="1.0" encoding="utf-8"?>
-<p:sld xmlns:a="http://schemas.openxmlformats.org/drawingml/2006/main" xmlns:r="http://schemas.openxmlformats.org/officeDocument/2006/relationships" xmlns:p="http://schemas.openxmlformats.org/presentationml/2006/main" show="0">
+<p:sld xmlns:a="http://schemas.openxmlformats.org/drawingml/2006/main" xmlns:r="http://schemas.openxmlformats.org/officeDocument/2006/relationships" xmlns:p="http://schemas.openxmlformats.org/presentationml/2006/main">
   <p:cSld>
     <p:spTree>
       <p:nvGrpSpPr>
@@ -19256,7 +19485,7 @@
 </file>
 
 <file path=ppt/slides/slide25.xml><?xml version="1.0" encoding="utf-8"?>
-<p:sld xmlns:a="http://schemas.openxmlformats.org/drawingml/2006/main" xmlns:r="http://schemas.openxmlformats.org/officeDocument/2006/relationships" xmlns:p="http://schemas.openxmlformats.org/presentationml/2006/main" show="0">
+<p:sld xmlns:a="http://schemas.openxmlformats.org/drawingml/2006/main" xmlns:r="http://schemas.openxmlformats.org/officeDocument/2006/relationships" xmlns:p="http://schemas.openxmlformats.org/presentationml/2006/main">
   <p:cSld>
     <p:spTree>
       <p:nvGrpSpPr>
@@ -19648,7 +19877,6 @@
               <a:rPr lang="zh-CN" altLang="en-US" dirty="0"/>
               <a:t>什么是决策表</a:t>
             </a:r>
-            <a:endParaRPr lang="zh-CN" altLang="en-US" dirty="0"/>
           </a:p>
           <a:p>
             <a:r>
@@ -20258,7 +20486,7 @@
 </file>
 
 <file path=ppt/slides/slide27.xml><?xml version="1.0" encoding="utf-8"?>
-<p:sld xmlns:a="http://schemas.openxmlformats.org/drawingml/2006/main" xmlns:r="http://schemas.openxmlformats.org/officeDocument/2006/relationships" xmlns:p="http://schemas.openxmlformats.org/presentationml/2006/main">
+<p:sld xmlns:a="http://schemas.openxmlformats.org/drawingml/2006/main" xmlns:r="http://schemas.openxmlformats.org/officeDocument/2006/relationships" xmlns:p="http://schemas.openxmlformats.org/presentationml/2006/main" show="0">
   <p:cSld>
     <p:spTree>
       <p:nvGrpSpPr>
@@ -20298,7 +20526,6 @@
               <a:rPr lang="zh-CN" altLang="en-US" dirty="0" smtClean="0"/>
               <a:t>实例二</a:t>
             </a:r>
-            <a:endParaRPr lang="zh-CN" altLang="en-US" dirty="0" smtClean="0"/>
           </a:p>
         </p:txBody>
       </p:sp>
@@ -20310,7 +20537,7 @@
         </p:nvSpPr>
         <p:spPr>
           <a:xfrm>
-            <a:off x="420370" y="1306830"/>
+            <a:off x="335360" y="1196752"/>
             <a:ext cx="7623810" cy="4959350"/>
           </a:xfrm>
           <a:prstGeom prst="rect">
@@ -20322,6 +20549,7 @@
           <a:bodyPr wrap="square" rtlCol="0" anchor="t">
             <a:spAutoFit/>
           </a:bodyPr>
+          <a:lstStyle/>
           <a:p>
             <a:pPr marL="0" indent="0" algn="l" eaLnBrk="0" hangingPunct="0">
               <a:lnSpc>
@@ -20344,10 +20572,6 @@
               </a:rPr>
               <a:t>企业工资计算软件</a:t>
             </a:r>
-            <a:endParaRPr lang="zh-CN" altLang="en-US" sz="2800" b="1" kern="0" dirty="0" smtClean="0">
-              <a:latin typeface="华文楷体" panose="02010600040101010101" pitchFamily="2" charset="-122"/>
-              <a:ea typeface="楷体" panose="02010609060101010101" pitchFamily="49" charset="-122"/>
-            </a:endParaRPr>
           </a:p>
           <a:p>
             <a:pPr marL="469900" indent="-469900" algn="l" eaLnBrk="0" hangingPunct="0">
@@ -20371,10 +20595,6 @@
               </a:rPr>
               <a:t>工资分为年薪制，月薪制；</a:t>
             </a:r>
-            <a:endParaRPr lang="zh-CN" altLang="en-US" sz="2800" b="1" kern="0" dirty="0" smtClean="0">
-              <a:latin typeface="华文楷体" panose="02010600040101010101" pitchFamily="2" charset="-122"/>
-              <a:ea typeface="楷体" panose="02010609060101010101" pitchFamily="49" charset="-122"/>
-            </a:endParaRPr>
           </a:p>
           <a:p>
             <a:pPr marL="469900" indent="-469900" algn="l" eaLnBrk="0" hangingPunct="0">
@@ -20398,10 +20618,6 @@
               </a:rPr>
               <a:t>错误程度分为普通，严重；</a:t>
             </a:r>
-            <a:endParaRPr lang="zh-CN" altLang="en-US" sz="2800" b="1" kern="0" dirty="0" smtClean="0">
-              <a:latin typeface="华文楷体" panose="02010600040101010101" pitchFamily="2" charset="-122"/>
-              <a:ea typeface="楷体" panose="02010609060101010101" pitchFamily="49" charset="-122"/>
-            </a:endParaRPr>
           </a:p>
           <a:p>
             <a:pPr marL="469900" indent="-469900" algn="l" eaLnBrk="0" hangingPunct="0">
@@ -20425,10 +20641,6 @@
               </a:rPr>
               <a:t>工资为年薪的员工犯普通错误的扣工资2％，犯严重错误，扣工资4％；</a:t>
             </a:r>
-            <a:endParaRPr lang="zh-CN" altLang="en-US" sz="2800" b="1" kern="0" dirty="0" smtClean="0">
-              <a:latin typeface="华文楷体" panose="02010600040101010101" pitchFamily="2" charset="-122"/>
-              <a:ea typeface="楷体" panose="02010609060101010101" pitchFamily="49" charset="-122"/>
-            </a:endParaRPr>
           </a:p>
           <a:p>
             <a:pPr marL="469900" indent="-469900" algn="l" eaLnBrk="0" hangingPunct="0">
@@ -20452,10 +20664,6 @@
               </a:rPr>
               <a:t>工资为月薪的员工犯普通错误的扣工资4％，犯严重错误扣工资8％；</a:t>
             </a:r>
-            <a:endParaRPr lang="zh-CN" altLang="en-US" sz="2800" b="1" kern="0" dirty="0" smtClean="0">
-              <a:latin typeface="华文楷体" panose="02010600040101010101" pitchFamily="2" charset="-122"/>
-              <a:ea typeface="楷体" panose="02010609060101010101" pitchFamily="49" charset="-122"/>
-            </a:endParaRPr>
           </a:p>
         </p:txBody>
       </p:sp>
@@ -20468,7 +20676,7 @@
           <p:nvPr/>
         </p:nvPicPr>
         <p:blipFill>
-          <a:blip r:embed="rId1"/>
+          <a:blip r:embed="rId3"/>
           <a:stretch>
             <a:fillRect/>
           </a:stretch>
@@ -20725,7 +20933,6 @@
               <a:rPr lang="zh-CN" altLang="zh-CN" dirty="0" smtClean="0"/>
               <a:t>元。</a:t>
             </a:r>
-            <a:endParaRPr lang="zh-CN" altLang="zh-CN" dirty="0" smtClean="0"/>
           </a:p>
           <a:p>
             <a:pPr marL="0" lvl="0" indent="0">
@@ -20774,7 +20981,6 @@
               <a:rPr lang="en-US" altLang="zh-CN" dirty="0" smtClean="0"/>
               <a:t>	</a:t>
             </a:r>
-            <a:endParaRPr lang="en-US" altLang="zh-CN" dirty="0" smtClean="0"/>
           </a:p>
           <a:p>
             <a:pPr marL="0" indent="0">
@@ -20827,7 +21033,6 @@
               <a:rPr lang="en-US" altLang="zh-CN" dirty="0" smtClean="0"/>
               <a:t>… "</a:t>
             </a:r>
-            <a:endParaRPr lang="en-US" altLang="zh-CN" dirty="0" smtClean="0"/>
           </a:p>
           <a:p>
             <a:pPr lvl="0">
@@ -21055,25 +21260,11 @@
           <a:bodyPr/>
           <a:lstStyle/>
           <a:p>
-            <a:pPr eaLnBrk="1" hangingPunct="1"/>
-            <a:r>
-              <a:rPr lang="en-US" altLang="zh-CN" b="1" dirty="0" smtClean="0">
-                <a:latin typeface="黑体" panose="02010609060101010101" pitchFamily="49" charset="-122"/>
-                <a:ea typeface="黑体" panose="02010609060101010101" pitchFamily="49" charset="-122"/>
-              </a:rPr>
-              <a:t>3.4 </a:t>
-            </a:r>
-            <a:r>
-              <a:rPr lang="zh-CN" altLang="en-US" b="1" dirty="0" smtClean="0">
-                <a:latin typeface="黑体" panose="02010609060101010101" pitchFamily="49" charset="-122"/>
-                <a:ea typeface="黑体" panose="02010609060101010101" pitchFamily="49" charset="-122"/>
-              </a:rPr>
+            <a:r>
+              <a:rPr lang="zh-CN" altLang="en-US" dirty="0" smtClean="0"/>
               <a:t>基于决策表的测试</a:t>
             </a:r>
-            <a:endParaRPr lang="zh-CN" altLang="en-US" b="1" dirty="0" smtClean="0">
-              <a:latin typeface="黑体" panose="02010609060101010101" pitchFamily="49" charset="-122"/>
-              <a:ea typeface="黑体" panose="02010609060101010101" pitchFamily="49" charset="-122"/>
-            </a:endParaRPr>
+            <a:endParaRPr lang="zh-CN" altLang="en-US" dirty="0" smtClean="0"/>
           </a:p>
         </p:txBody>
       </p:sp>
@@ -21092,80 +21283,27 @@
           <a:bodyPr/>
           <a:lstStyle/>
           <a:p>
-            <a:pPr eaLnBrk="1" hangingPunct="1"/>
-            <a:r>
-              <a:rPr lang="zh-CN" altLang="en-US" sz="3400" b="1" dirty="0" smtClean="0"/>
+            <a:r>
+              <a:rPr lang="zh-CN" altLang="en-US" dirty="0" smtClean="0"/>
               <a:t>基本原理</a:t>
             </a:r>
-            <a:endParaRPr lang="en-US" altLang="zh-CN" sz="3400" b="1" dirty="0" smtClean="0"/>
-          </a:p>
-          <a:p>
-            <a:pPr marL="0" indent="0" eaLnBrk="1" hangingPunct="1">
-              <a:buNone/>
-            </a:pPr>
-            <a:r>
-              <a:rPr lang="zh-CN" altLang="en-US" sz="2800" b="1" dirty="0" smtClean="0"/>
-              <a:t> </a:t>
-            </a:r>
-            <a:r>
-              <a:rPr lang="en-US" altLang="zh-CN" sz="2800" b="1" dirty="0" smtClean="0"/>
-              <a:t>	</a:t>
-            </a:r>
-            <a:r>
-              <a:rPr lang="zh-CN" altLang="en-US" sz="2800" b="1" dirty="0" smtClean="0"/>
-              <a:t>也</a:t>
-            </a:r>
-            <a:r>
-              <a:rPr lang="zh-CN" altLang="en-US" sz="2800" b="1" dirty="0"/>
-              <a:t>称</a:t>
-            </a:r>
-            <a:r>
-              <a:rPr lang="zh-CN" altLang="en-US" sz="2800" b="1" dirty="0" smtClean="0">
-                <a:solidFill>
-                  <a:srgbClr val="FF0000"/>
-                </a:solidFill>
-              </a:rPr>
-              <a:t>判定表法，</a:t>
-            </a:r>
-            <a:r>
-              <a:rPr lang="zh-CN" altLang="en-US" sz="2800" b="1" dirty="0" smtClean="0"/>
-              <a:t>是分析和表达</a:t>
-            </a:r>
-            <a:r>
-              <a:rPr lang="zh-CN" altLang="en-US" sz="2800" b="1" dirty="0" smtClean="0">
-                <a:solidFill>
-                  <a:srgbClr val="FF0000"/>
-                </a:solidFill>
-              </a:rPr>
-              <a:t>多种逻辑条件</a:t>
-            </a:r>
-            <a:r>
-              <a:rPr lang="zh-CN" altLang="en-US" sz="2800" b="1" dirty="0" smtClean="0"/>
-              <a:t>下执行不同操作情况的工具。</a:t>
-            </a:r>
-            <a:endParaRPr lang="en-US" altLang="zh-CN" sz="2800" b="1" dirty="0" smtClean="0"/>
-          </a:p>
-          <a:p>
-            <a:pPr marL="0" indent="0" eaLnBrk="1" hangingPunct="1">
-              <a:buNone/>
-            </a:pPr>
-            <a:r>
-              <a:rPr lang="zh-CN" altLang="en-US" sz="2800" b="1" dirty="0"/>
-              <a:t>在一些数据处理当中，某些操作的实施依赖与多个</a:t>
-            </a:r>
-            <a:r>
-              <a:rPr lang="zh-CN" altLang="en-US" sz="2800" b="1" dirty="0">
-                <a:solidFill>
-                  <a:srgbClr val="FF0000"/>
-                </a:solidFill>
-              </a:rPr>
-              <a:t>逻辑条件的组合</a:t>
-            </a:r>
-            <a:r>
-              <a:rPr lang="zh-CN" altLang="en-US" sz="2800" b="1" dirty="0"/>
-              <a:t>，即对不同逻辑条件的组合值，分别执行不同的操作，决策表适合于处理这种问题。</a:t>
-            </a:r>
-            <a:endParaRPr lang="zh-CN" altLang="en-US" sz="2800" b="1" dirty="0"/>
+            <a:endParaRPr lang="en-US" altLang="zh-CN" dirty="0" smtClean="0"/>
+          </a:p>
+          <a:p>
+            <a:pPr lvl="1"/>
+            <a:r>
+              <a:rPr lang="zh-CN" altLang="en-US" dirty="0" smtClean="0"/>
+              <a:t> 也称判定表法，是分析和表达多种逻辑条件下执行不同操作情况的工具</a:t>
+            </a:r>
+            <a:endParaRPr lang="en-US" altLang="zh-CN" dirty="0" smtClean="0"/>
+          </a:p>
+          <a:p>
+            <a:pPr lvl="1"/>
+            <a:r>
+              <a:rPr lang="zh-CN" altLang="en-US" dirty="0" smtClean="0"/>
+              <a:t>在一些数据处理当中，某些操作的实施依赖与多个逻辑条件的组合，即对不同逻辑条件的组合值，分别执行不同的操作，决策表适合于处理这种问题</a:t>
+            </a:r>
+            <a:endParaRPr lang="zh-CN" altLang="en-US" dirty="0"/>
           </a:p>
         </p:txBody>
       </p:sp>
@@ -21370,6 +21508,16 @@
               <a:buNone/>
               <a:defRPr/>
             </a:pPr>
+            <a:r>
+              <a:rPr lang="zh-CN" altLang="en-US" sz="2800" b="1" dirty="0">
+                <a:solidFill>
+                  <a:srgbClr val="5F5E5C"/>
+                </a:solidFill>
+                <a:latin typeface="楷体" panose="02010609060101010101" pitchFamily="49" charset="-122"/>
+                <a:ea typeface="楷体" panose="02010609060101010101" pitchFamily="49" charset="-122"/>
+              </a:rPr>
+              <a:t/>
+            </a:r>
             <a:br>
               <a:rPr lang="zh-CN" altLang="en-US" sz="2800" b="1" dirty="0">
                 <a:solidFill>
@@ -21424,7 +21572,7 @@
         </p:nvSpPr>
         <p:spPr>
           <a:xfrm>
-            <a:off x="695400" y="1196752"/>
+            <a:off x="767408" y="1052736"/>
             <a:ext cx="10668000" cy="4267200"/>
           </a:xfrm>
         </p:spPr>
@@ -21469,7 +21617,6 @@
               <a:rPr lang="zh-CN" altLang="en-US" sz="2400" dirty="0" smtClean="0"/>
               <a:t>）：列出了问题的所有条件（输入区）</a:t>
             </a:r>
-            <a:endParaRPr lang="zh-CN" altLang="en-US" sz="2400" dirty="0" smtClean="0"/>
           </a:p>
           <a:p>
             <a:pPr>
@@ -21488,7 +21635,6 @@
               <a:rPr lang="zh-CN" altLang="en-US" sz="2400" dirty="0" smtClean="0"/>
               <a:t>）：列出了问题规定可能采取的操作。这些操作的排列顺序没有约束（输出区）</a:t>
             </a:r>
-            <a:endParaRPr lang="zh-CN" altLang="en-US" sz="2400" dirty="0" smtClean="0"/>
           </a:p>
           <a:p>
             <a:pPr>
@@ -21507,7 +21653,6 @@
               <a:rPr lang="zh-CN" altLang="en-US" sz="2400" dirty="0" smtClean="0"/>
               <a:t>）：列出针对它左列条件的取值。在所有可能情况下的真假值。（输入取值区）</a:t>
             </a:r>
-            <a:endParaRPr lang="zh-CN" altLang="en-US" sz="2400" dirty="0" smtClean="0"/>
           </a:p>
           <a:p>
             <a:pPr>
@@ -22115,7 +22260,7 @@
           <p:nvPr/>
         </p:nvPicPr>
         <p:blipFill>
-          <a:blip r:embed="rId1">
+          <a:blip r:embed="rId3">
             <a:extLst>
               <a:ext uri="{28A0092B-C50C-407E-A947-70E740481C1C}">
                 <a14:useLocalDpi xmlns:a14="http://schemas.microsoft.com/office/drawing/2010/main" val="0"/>
@@ -22485,11 +22630,23 @@
           <a:bodyPr/>
           <a:lstStyle/>
           <a:p>
+            <a:r>
+              <a:rPr lang="en-US" altLang="zh-CN" dirty="0" smtClean="0">
+                <a:latin typeface="楷体" panose="02010609060101010101" pitchFamily="49" charset="-122"/>
+              </a:rPr>
+              <a:t/>
+            </a:r>
             <a:br>
               <a:rPr lang="en-US" altLang="zh-CN" dirty="0" smtClean="0">
                 <a:latin typeface="楷体" panose="02010609060101010101" pitchFamily="49" charset="-122"/>
               </a:rPr>
             </a:br>
+            <a:r>
+              <a:rPr lang="en-US" altLang="zh-CN" dirty="0">
+                <a:latin typeface="楷体" panose="02010609060101010101" pitchFamily="49" charset="-122"/>
+              </a:rPr>
+              <a:t/>
+            </a:r>
             <a:br>
               <a:rPr lang="en-US" altLang="zh-CN" dirty="0">
                 <a:latin typeface="楷体" panose="02010609060101010101" pitchFamily="49" charset="-122"/>
@@ -22507,9 +22664,6 @@
               </a:rPr>
               <a:t>法概述</a:t>
             </a:r>
-            <a:endParaRPr lang="zh-CN" altLang="en-US" dirty="0">
-              <a:latin typeface="楷体" panose="02010609060101010101" pitchFamily="49" charset="-122"/>
-            </a:endParaRPr>
           </a:p>
         </p:txBody>
       </p:sp>
@@ -24846,7 +25000,6 @@
               <a:rPr lang="zh-CN" altLang="en-US" dirty="0"/>
               <a:t>决策表法概述</a:t>
             </a:r>
-            <a:endParaRPr lang="zh-CN" altLang="en-US" dirty="0"/>
           </a:p>
         </p:txBody>
       </p:sp>
@@ -24882,7 +25035,6 @@
               <a:rPr lang="zh-CN" altLang="en-US" dirty="0" smtClean="0"/>
               <a:t>）：决策表中右部的每一列（条件项和对应的动作项）都是一条规则</a:t>
             </a:r>
-            <a:endParaRPr lang="zh-CN" altLang="en-US" dirty="0" smtClean="0"/>
           </a:p>
           <a:p>
             <a:endParaRPr lang="zh-CN" altLang="en-US" dirty="0"/>
@@ -25267,7 +25419,6 @@
               <a:rPr lang="zh-CN" altLang="en-US" dirty="0"/>
               <a:t>分析条件和动作</a:t>
             </a:r>
-            <a:endParaRPr lang="zh-CN" altLang="en-US" dirty="0"/>
           </a:p>
         </p:txBody>
       </p:sp>
@@ -25281,7 +25432,7 @@
         </p:nvGraphicFramePr>
         <p:xfrm>
           <a:off x="623392" y="1340768"/>
-          <a:ext cx="10585450" cy="4480560"/>
+          <a:ext cx="10585176" cy="4480560"/>
         </p:xfrm>
         <a:graphic>
           <a:graphicData uri="http://schemas.openxmlformats.org/drawingml/2006/table">
@@ -25300,6 +25451,7 @@
                 <a:tc>
                   <a:txBody>
                     <a:bodyPr/>
+                    <a:lstStyle/>
                     <a:p>
                       <a:r>
                         <a:rPr lang="zh-CN" altLang="en-US" sz="2800" b="1" baseline="0" dirty="0" smtClean="0">
@@ -25359,6 +25511,7 @@
                 <a:tc gridSpan="4">
                   <a:txBody>
                     <a:bodyPr/>
+                    <a:lstStyle/>
                     <a:p>
                       <a:pPr algn="ctr"/>
                       <a:r>
@@ -25417,12 +25570,33 @@
                   </a:tcPr>
                 </a:tc>
                 <a:tc hMerge="1">
+                  <a:txBody>
+                    <a:bodyPr/>
+                    <a:lstStyle/>
+                    <a:p>
+                      <a:endParaRPr lang="zh-CN"/>
+                    </a:p>
+                  </a:txBody>
                   <a:tcPr/>
                 </a:tc>
                 <a:tc hMerge="1">
+                  <a:txBody>
+                    <a:bodyPr/>
+                    <a:lstStyle/>
+                    <a:p>
+                      <a:endParaRPr lang="zh-CN"/>
+                    </a:p>
+                  </a:txBody>
                   <a:tcPr/>
                 </a:tc>
                 <a:tc hMerge="1">
+                  <a:txBody>
+                    <a:bodyPr/>
+                    <a:lstStyle/>
+                    <a:p>
+                      <a:endParaRPr lang="zh-CN"/>
+                    </a:p>
+                  </a:txBody>
                   <a:tcPr/>
                 </a:tc>
               </a:tr>
@@ -25430,6 +25604,7 @@
                 <a:tc>
                   <a:txBody>
                     <a:bodyPr/>
+                    <a:lstStyle/>
                     <a:p>
                       <a:r>
                         <a:rPr lang="zh-CN" altLang="en-US" sz="2800" b="1" baseline="0" dirty="0" smtClean="0">
@@ -25493,6 +25668,7 @@
                 <a:tc>
                   <a:txBody>
                     <a:bodyPr/>
+                    <a:lstStyle/>
                     <a:p>
                       <a:endParaRPr lang="zh-CN" altLang="en-US" sz="2800" b="1" baseline="0" dirty="0">
                         <a:latin typeface="Times New Roman" panose="02020603050405020304" pitchFamily="18" charset="0"/>
@@ -25542,6 +25718,7 @@
                 <a:tc>
                   <a:txBody>
                     <a:bodyPr/>
+                    <a:lstStyle/>
                     <a:p>
                       <a:endParaRPr lang="zh-CN" altLang="en-US" sz="2800" b="1" baseline="0" dirty="0">
                         <a:latin typeface="Times New Roman" panose="02020603050405020304" pitchFamily="18" charset="0"/>
@@ -25591,6 +25768,7 @@
                 <a:tc>
                   <a:txBody>
                     <a:bodyPr/>
+                    <a:lstStyle/>
                     <a:p>
                       <a:endParaRPr lang="zh-CN" altLang="en-US" sz="2800" b="1" baseline="0" dirty="0">
                         <a:latin typeface="Times New Roman" panose="02020603050405020304" pitchFamily="18" charset="0"/>
@@ -25640,6 +25818,7 @@
                 <a:tc>
                   <a:txBody>
                     <a:bodyPr/>
+                    <a:lstStyle/>
                     <a:p>
                       <a:endParaRPr lang="zh-CN" altLang="en-US" sz="2800" b="1" baseline="0" dirty="0">
                         <a:latin typeface="Times New Roman" panose="02020603050405020304" pitchFamily="18" charset="0"/>
@@ -25691,6 +25870,7 @@
                 <a:tc>
                   <a:txBody>
                     <a:bodyPr/>
+                    <a:lstStyle/>
                     <a:p>
                       <a:r>
                         <a:rPr lang="zh-CN" altLang="en-US" sz="2800" b="1" baseline="0" dirty="0" smtClean="0">
@@ -25747,6 +25927,7 @@
                 <a:tc>
                   <a:txBody>
                     <a:bodyPr/>
+                    <a:lstStyle/>
                     <a:p>
                       <a:endParaRPr lang="zh-CN" altLang="en-US" sz="2800" b="1" baseline="0" dirty="0">
                         <a:latin typeface="Times New Roman" panose="02020603050405020304" pitchFamily="18" charset="0"/>
@@ -25796,6 +25977,7 @@
                 <a:tc>
                   <a:txBody>
                     <a:bodyPr/>
+                    <a:lstStyle/>
                     <a:p>
                       <a:endParaRPr lang="zh-CN" altLang="en-US" sz="2800" b="1" baseline="0" dirty="0">
                         <a:latin typeface="Times New Roman" panose="02020603050405020304" pitchFamily="18" charset="0"/>
@@ -25845,6 +26027,7 @@
                 <a:tc>
                   <a:txBody>
                     <a:bodyPr/>
+                    <a:lstStyle/>
                     <a:p>
                       <a:endParaRPr lang="zh-CN" altLang="en-US" sz="2800" b="1" baseline="0" dirty="0">
                         <a:latin typeface="Times New Roman" panose="02020603050405020304" pitchFamily="18" charset="0"/>
@@ -25894,6 +26077,7 @@
                 <a:tc>
                   <a:txBody>
                     <a:bodyPr/>
+                    <a:lstStyle/>
                     <a:p>
                       <a:endParaRPr lang="zh-CN" altLang="en-US" sz="2800" b="1" baseline="0" dirty="0">
                         <a:latin typeface="Times New Roman" panose="02020603050405020304" pitchFamily="18" charset="0"/>
@@ -25945,6 +26129,7 @@
                 <a:tc>
                   <a:txBody>
                     <a:bodyPr/>
+                    <a:lstStyle/>
                     <a:p>
                       <a:r>
                         <a:rPr lang="zh-CN" altLang="en-US" sz="2800" b="1" baseline="0" dirty="0">
@@ -25956,13 +26141,6 @@
                         </a:rPr>
                         <a:t>动作桩（输出）</a:t>
                       </a:r>
-                      <a:endParaRPr lang="zh-CN" altLang="en-US" sz="2800" b="1" baseline="0" dirty="0">
-                        <a:solidFill>
-                          <a:schemeClr val="bg1"/>
-                        </a:solidFill>
-                        <a:latin typeface="Times New Roman" panose="02020603050405020304" pitchFamily="18" charset="0"/>
-                        <a:ea typeface="楷体" panose="02010609060101010101" pitchFamily="49" charset="-122"/>
-                      </a:endParaRPr>
                     </a:p>
                   </a:txBody>
                   <a:tcPr>
@@ -26007,6 +26185,7 @@
                 <a:tc gridSpan="4">
                   <a:txBody>
                     <a:bodyPr/>
+                    <a:lstStyle/>
                     <a:p>
                       <a:pPr algn="ctr">
                         <a:buNone/>
@@ -26021,13 +26200,6 @@
                         </a:rPr>
                         <a:t>动作项（输出取值区）</a:t>
                       </a:r>
-                      <a:endParaRPr lang="zh-CN" altLang="en-US" sz="2800" b="1" baseline="0" dirty="0">
-                        <a:solidFill>
-                          <a:schemeClr val="bg1"/>
-                        </a:solidFill>
-                        <a:latin typeface="Times New Roman" panose="02020603050405020304" pitchFamily="18" charset="0"/>
-                        <a:ea typeface="楷体" panose="02010609060101010101" pitchFamily="49" charset="-122"/>
-                      </a:endParaRPr>
                     </a:p>
                   </a:txBody>
                   <a:tcPr>
@@ -26061,6 +26233,13 @@
                   </a:tcPr>
                 </a:tc>
                 <a:tc hMerge="1">
+                  <a:txBody>
+                    <a:bodyPr/>
+                    <a:lstStyle/>
+                    <a:p>
+                      <a:endParaRPr lang="zh-CN"/>
+                    </a:p>
+                  </a:txBody>
                   <a:tcPr>
                     <a:lnT w="12700" cap="flat" cmpd="sng" algn="ctr">
                       <a:solidFill>
@@ -26083,6 +26262,13 @@
                   </a:tcPr>
                 </a:tc>
                 <a:tc hMerge="1">
+                  <a:txBody>
+                    <a:bodyPr/>
+                    <a:lstStyle/>
+                    <a:p>
+                      <a:endParaRPr lang="zh-CN"/>
+                    </a:p>
+                  </a:txBody>
                   <a:tcPr>
                     <a:lnT w="12700" cap="flat" cmpd="sng" algn="ctr">
                       <a:solidFill>
@@ -26105,6 +26291,13 @@
                   </a:tcPr>
                 </a:tc>
                 <a:tc hMerge="1">
+                  <a:txBody>
+                    <a:bodyPr/>
+                    <a:lstStyle/>
+                    <a:p>
+                      <a:endParaRPr lang="zh-CN"/>
+                    </a:p>
+                  </a:txBody>
                   <a:tcPr>
                     <a:lnT w="12700" cap="flat" cmpd="sng" algn="ctr">
                       <a:solidFill>
@@ -26131,6 +26324,7 @@
                 <a:tc>
                   <a:txBody>
                     <a:bodyPr/>
+                    <a:lstStyle/>
                     <a:p>
                       <a:r>
                         <a:rPr lang="zh-CN" altLang="en-US" sz="2800" b="1" baseline="0" smtClean="0">
@@ -26187,6 +26381,7 @@
                 <a:tc>
                   <a:txBody>
                     <a:bodyPr/>
+                    <a:lstStyle/>
                     <a:p>
                       <a:endParaRPr lang="zh-CN" altLang="en-US" sz="2800" b="1" baseline="0" dirty="0">
                         <a:latin typeface="Times New Roman" panose="02020603050405020304" pitchFamily="18" charset="0"/>
@@ -26236,6 +26431,7 @@
                 <a:tc>
                   <a:txBody>
                     <a:bodyPr/>
+                    <a:lstStyle/>
                     <a:p>
                       <a:endParaRPr lang="zh-CN" altLang="en-US" sz="2800" b="1" baseline="0" dirty="0">
                         <a:latin typeface="Times New Roman" panose="02020603050405020304" pitchFamily="18" charset="0"/>
@@ -26285,6 +26481,7 @@
                 <a:tc>
                   <a:txBody>
                     <a:bodyPr/>
+                    <a:lstStyle/>
                     <a:p>
                       <a:endParaRPr lang="zh-CN" altLang="en-US" sz="2800" b="1" baseline="0" dirty="0">
                         <a:latin typeface="Times New Roman" panose="02020603050405020304" pitchFamily="18" charset="0"/>
@@ -26334,6 +26531,7 @@
                 <a:tc>
                   <a:txBody>
                     <a:bodyPr/>
+                    <a:lstStyle/>
                     <a:p>
                       <a:endParaRPr lang="zh-CN" altLang="en-US" sz="2800" b="1" baseline="0" dirty="0">
                         <a:latin typeface="Times New Roman" panose="02020603050405020304" pitchFamily="18" charset="0"/>
@@ -26385,6 +26583,7 @@
                 <a:tc>
                   <a:txBody>
                     <a:bodyPr/>
+                    <a:lstStyle/>
                     <a:p>
                       <a:r>
                         <a:rPr lang="zh-CN" altLang="en-US" sz="2800" b="1" baseline="0" smtClean="0">
@@ -26441,6 +26640,7 @@
                 <a:tc>
                   <a:txBody>
                     <a:bodyPr/>
+                    <a:lstStyle/>
                     <a:p>
                       <a:endParaRPr lang="zh-CN" altLang="en-US" sz="2800" b="1" baseline="0" dirty="0">
                         <a:latin typeface="Times New Roman" panose="02020603050405020304" pitchFamily="18" charset="0"/>
@@ -26490,6 +26690,7 @@
                 <a:tc>
                   <a:txBody>
                     <a:bodyPr/>
+                    <a:lstStyle/>
                     <a:p>
                       <a:endParaRPr lang="zh-CN" altLang="en-US" sz="2800" b="1" baseline="0" dirty="0">
                         <a:latin typeface="Times New Roman" panose="02020603050405020304" pitchFamily="18" charset="0"/>
@@ -26539,6 +26740,7 @@
                 <a:tc>
                   <a:txBody>
                     <a:bodyPr/>
+                    <a:lstStyle/>
                     <a:p>
                       <a:endParaRPr lang="zh-CN" altLang="en-US" sz="2800" b="1" baseline="0" dirty="0">
                         <a:latin typeface="Times New Roman" panose="02020603050405020304" pitchFamily="18" charset="0"/>
@@ -26588,6 +26790,7 @@
                 <a:tc>
                   <a:txBody>
                     <a:bodyPr/>
+                    <a:lstStyle/>
                     <a:p>
                       <a:endParaRPr lang="zh-CN" altLang="en-US" sz="2800" b="1" baseline="0" dirty="0">
                         <a:latin typeface="Times New Roman" panose="02020603050405020304" pitchFamily="18" charset="0"/>
@@ -26639,6 +26842,7 @@
                 <a:tc>
                   <a:txBody>
                     <a:bodyPr/>
+                    <a:lstStyle/>
                     <a:p>
                       <a:r>
                         <a:rPr lang="zh-CN" altLang="en-US" sz="2800" b="1" baseline="0" smtClean="0">
@@ -26695,6 +26899,7 @@
                 <a:tc>
                   <a:txBody>
                     <a:bodyPr/>
+                    <a:lstStyle/>
                     <a:p>
                       <a:endParaRPr lang="zh-CN" altLang="en-US" baseline="0">
                         <a:latin typeface="Times New Roman" panose="02020603050405020304" pitchFamily="18" charset="0"/>
@@ -26744,6 +26949,7 @@
                 <a:tc>
                   <a:txBody>
                     <a:bodyPr/>
+                    <a:lstStyle/>
                     <a:p>
                       <a:endParaRPr lang="zh-CN" altLang="en-US" sz="2800" b="1" baseline="0" dirty="0">
                         <a:latin typeface="Times New Roman" panose="02020603050405020304" pitchFamily="18" charset="0"/>
@@ -26793,6 +26999,7 @@
                 <a:tc>
                   <a:txBody>
                     <a:bodyPr/>
+                    <a:lstStyle/>
                     <a:p>
                       <a:endParaRPr lang="zh-CN" altLang="en-US" sz="2800" b="1" baseline="0" dirty="0">
                         <a:latin typeface="Times New Roman" panose="02020603050405020304" pitchFamily="18" charset="0"/>
@@ -26842,6 +27049,7 @@
                 <a:tc>
                   <a:txBody>
                     <a:bodyPr/>
+                    <a:lstStyle/>
                     <a:p>
                       <a:endParaRPr lang="zh-CN" altLang="en-US" sz="2800" b="1" baseline="0" dirty="0">
                         <a:latin typeface="Times New Roman" panose="02020603050405020304" pitchFamily="18" charset="0"/>
@@ -27131,6 +27339,7 @@
       </a:bgFillStyleLst>
     </a:fmtScheme>
   </a:themeElements>
+  <a:objectDefaults/>
   <a:extraClrSchemeLst>
     <a:extraClrScheme>
       <a:clrScheme name="Profile 1">
@@ -27788,6 +27997,8 @@
       </a:bgFillStyleLst>
     </a:fmtScheme>
   </a:themeElements>
+  <a:objectDefaults/>
+  <a:extraClrSchemeLst/>
   <a:extLst>
     <a:ext uri="{05A4C25C-085E-4340-85A3-A5531E510DB2}">
       <thm15:themeFamily xmlns:thm15="http://schemas.microsoft.com/office/thememl/2012/main" name="Office Theme" id="{62F939B6-93AF-4DB8-9C6B-D6C7DFDC589F}" vid="{4A3C46E8-61CC-4603-A589-7422A47A8E4A}"/>
@@ -28074,6 +28285,8 @@
       </a:bgFillStyleLst>
     </a:fmtScheme>
   </a:themeElements>
+  <a:objectDefaults/>
+  <a:extraClrSchemeLst/>
   <a:extLst>
     <a:ext uri="{05A4C25C-085E-4340-85A3-A5531E510DB2}">
       <thm15:themeFamily xmlns:thm15="http://schemas.microsoft.com/office/thememl/2012/main" name="Office Theme" id="{62F939B6-93AF-4DB8-9C6B-D6C7DFDC589F}" vid="{4A3C46E8-61CC-4603-A589-7422A47A8E4A}"/>
